--- a/Putting the Λ in HaskeΛΛ.pptx
+++ b/Putting the Λ in HaskeΛΛ.pptx
@@ -9,11 +9,13 @@
     <p:sldId id="256" r:id="rId3"/>
     <p:sldId id="257" r:id="rId4"/>
     <p:sldId id="258" r:id="rId5"/>
-    <p:sldId id="259" r:id="rId6"/>
-    <p:sldId id="260" r:id="rId7"/>
-    <p:sldId id="261" r:id="rId8"/>
-    <p:sldId id="262" r:id="rId9"/>
-    <p:sldId id="263" r:id="rId10"/>
+    <p:sldId id="265" r:id="rId6"/>
+    <p:sldId id="266" r:id="rId7"/>
+    <p:sldId id="259" r:id="rId8"/>
+    <p:sldId id="260" r:id="rId9"/>
+    <p:sldId id="261" r:id="rId10"/>
+    <p:sldId id="262" r:id="rId11"/>
+    <p:sldId id="263" r:id="rId12"/>
   </p:sldIdLst>
   <p:sldSz cx="12192000" cy="6858000"/>
   <p:notesSz cx="6858000" cy="9144000"/>
@@ -3175,6 +3177,374 @@
 </p:sld>
 </file>
 
+<file path=ppt/slides/slide10.xml><?xml version="1.0" encoding="utf-8"?>
+<p:sld xmlns:a="http://schemas.openxmlformats.org/drawingml/2006/main" xmlns:r="http://schemas.openxmlformats.org/officeDocument/2006/relationships" xmlns:p="http://schemas.openxmlformats.org/presentationml/2006/main">
+  <p:cSld>
+    <p:spTree>
+      <p:nvGrpSpPr>
+        <p:cNvPr id="1" name=""/>
+        <p:cNvGrpSpPr/>
+        <p:nvPr/>
+      </p:nvGrpSpPr>
+      <p:grpSpPr>
+        <a:xfrm>
+          <a:off x="0" y="0"/>
+          <a:ext cx="0" cy="0"/>
+          <a:chOff x="0" y="0"/>
+          <a:chExt cx="0" cy="0"/>
+        </a:xfrm>
+      </p:grpSpPr>
+      <p:sp>
+        <p:nvSpPr>
+          <p:cNvPr id="2" name="Titel 1">
+            <a:extLst>
+              <a:ext uri="{FF2B5EF4-FFF2-40B4-BE49-F238E27FC236}">
+                <a16:creationId xmlns:a16="http://schemas.microsoft.com/office/drawing/2014/main" id="{66E35D69-B1B2-F241-CAFD-489CEF152037}"/>
+              </a:ext>
+            </a:extLst>
+          </p:cNvPr>
+          <p:cNvSpPr>
+            <a:spLocks noGrp="1"/>
+          </p:cNvSpPr>
+          <p:nvPr>
+            <p:ph type="title"/>
+          </p:nvPr>
+        </p:nvSpPr>
+        <p:spPr/>
+        <p:txBody>
+          <a:bodyPr/>
+          <a:lstStyle/>
+          <a:p>
+            <a:r>
+              <a:rPr lang="nl-NL" dirty="0" err="1"/>
+              <a:t>Polymorphic</a:t>
+            </a:r>
+            <a:r>
+              <a:rPr lang="nl-NL" dirty="0"/>
+              <a:t> </a:t>
+            </a:r>
+            <a:r>
+              <a:rPr lang="el-GR" dirty="0"/>
+              <a:t>Λ</a:t>
+            </a:r>
+            <a:r>
+              <a:rPr lang="nl-NL" dirty="0"/>
+              <a:t>-calculus (“System F”)</a:t>
+            </a:r>
+          </a:p>
+        </p:txBody>
+      </p:sp>
+      <mc:AlternateContent xmlns:mc="http://schemas.openxmlformats.org/markup-compatibility/2006">
+        <mc:Choice xmlns:a14="http://schemas.microsoft.com/office/drawing/2010/main" Requires="a14">
+          <p:sp>
+            <p:nvSpPr>
+              <p:cNvPr id="3" name="Tijdelijke aanduiding voor tekst 2">
+                <a:extLst>
+                  <a:ext uri="{FF2B5EF4-FFF2-40B4-BE49-F238E27FC236}">
+                    <a16:creationId xmlns:a16="http://schemas.microsoft.com/office/drawing/2014/main" id="{135AF79F-D6CA-8325-ADB0-21FD94AA3328}"/>
+                  </a:ext>
+                </a:extLst>
+              </p:cNvPr>
+              <p:cNvSpPr>
+                <a:spLocks noGrp="1"/>
+              </p:cNvSpPr>
+              <p:nvPr>
+                <p:ph type="body" sz="quarter" idx="11"/>
+              </p:nvPr>
+            </p:nvSpPr>
+            <p:spPr/>
+            <p:txBody>
+              <a:bodyPr/>
+              <a:lstStyle/>
+              <a:p>
+                <a:r>
+                  <a:rPr lang="nl-NL" dirty="0"/>
+                  <a:t>Introduce type variables: </a:t>
+                </a:r>
+                <a14:m>
+                  <m:oMath xmlns:m="http://schemas.openxmlformats.org/officeDocument/2006/math">
+                    <m:d>
+                      <m:dPr>
+                        <m:ctrlPr>
+                          <a:rPr lang="nl-NL" b="0" i="0" smtClean="0">
+                            <a:latin typeface="Cambria Math" panose="02040503050406030204" pitchFamily="18" charset="0"/>
+                          </a:rPr>
+                        </m:ctrlPr>
+                      </m:dPr>
+                      <m:e>
+                        <m:r>
+                          <m:rPr>
+                            <m:sty m:val="p"/>
+                          </m:rPr>
+                          <a:rPr lang="nl-NL" b="0" i="0" smtClean="0">
+                            <a:latin typeface="Cambria Math" panose="02040503050406030204" pitchFamily="18" charset="0"/>
+                          </a:rPr>
+                          <m:t>Λ</m:t>
+                        </m:r>
+                        <m:r>
+                          <a:rPr lang="nl-NL" b="0" i="1" smtClean="0">
+                            <a:latin typeface="Cambria Math" panose="02040503050406030204" pitchFamily="18" charset="0"/>
+                          </a:rPr>
+                          <m:t>𝑝</m:t>
+                        </m:r>
+                        <m:r>
+                          <a:rPr lang="nl-NL" b="0" i="1" smtClean="0">
+                            <a:latin typeface="Cambria Math" panose="02040503050406030204" pitchFamily="18" charset="0"/>
+                          </a:rPr>
+                          <m:t>.</m:t>
+                        </m:r>
+                        <m:r>
+                          <a:rPr lang="nl-NL" b="0" i="1" smtClean="0">
+                            <a:latin typeface="Cambria Math" panose="02040503050406030204" pitchFamily="18" charset="0"/>
+                          </a:rPr>
+                          <m:t>𝜆</m:t>
+                        </m:r>
+                        <m:r>
+                          <a:rPr lang="nl-NL" b="0" i="1" smtClean="0">
+                            <a:latin typeface="Cambria Math" panose="02040503050406030204" pitchFamily="18" charset="0"/>
+                          </a:rPr>
+                          <m:t>𝑥</m:t>
+                        </m:r>
+                        <m:r>
+                          <a:rPr lang="nl-NL" b="0" i="1" smtClean="0">
+                            <a:latin typeface="Cambria Math" panose="02040503050406030204" pitchFamily="18" charset="0"/>
+                          </a:rPr>
+                          <m:t> :</m:t>
+                        </m:r>
+                        <m:r>
+                          <a:rPr lang="nl-NL" b="0" i="1" smtClean="0">
+                            <a:latin typeface="Cambria Math" panose="02040503050406030204" pitchFamily="18" charset="0"/>
+                          </a:rPr>
+                          <m:t>𝑝</m:t>
+                        </m:r>
+                        <m:r>
+                          <a:rPr lang="nl-NL" b="0" i="1" smtClean="0">
+                            <a:latin typeface="Cambria Math" panose="02040503050406030204" pitchFamily="18" charset="0"/>
+                          </a:rPr>
+                          <m:t>.</m:t>
+                        </m:r>
+                        <m:r>
+                          <a:rPr lang="nl-NL" b="0" i="1" smtClean="0">
+                            <a:latin typeface="Cambria Math" panose="02040503050406030204" pitchFamily="18" charset="0"/>
+                          </a:rPr>
+                          <m:t>𝑥</m:t>
+                        </m:r>
+                      </m:e>
+                    </m:d>
+                    <m:r>
+                      <a:rPr lang="nl-NL" b="0" i="1" smtClean="0">
+                        <a:latin typeface="Cambria Math" panose="02040503050406030204" pitchFamily="18" charset="0"/>
+                      </a:rPr>
+                      <m:t> :∀</m:t>
+                    </m:r>
+                    <m:r>
+                      <a:rPr lang="nl-NL" b="0" i="1" smtClean="0">
+                        <a:latin typeface="Cambria Math" panose="02040503050406030204" pitchFamily="18" charset="0"/>
+                      </a:rPr>
+                      <m:t>𝑝</m:t>
+                    </m:r>
+                    <m:r>
+                      <a:rPr lang="nl-NL" b="0" i="1" smtClean="0">
+                        <a:latin typeface="Cambria Math" panose="02040503050406030204" pitchFamily="18" charset="0"/>
+                      </a:rPr>
+                      <m:t>.</m:t>
+                    </m:r>
+                    <m:r>
+                      <a:rPr lang="nl-NL" b="0" i="1" smtClean="0">
+                        <a:latin typeface="Cambria Math" panose="02040503050406030204" pitchFamily="18" charset="0"/>
+                      </a:rPr>
+                      <m:t>𝑝</m:t>
+                    </m:r>
+                    <m:r>
+                      <a:rPr lang="nl-NL" b="0" i="1" smtClean="0">
+                        <a:latin typeface="Cambria Math" panose="02040503050406030204" pitchFamily="18" charset="0"/>
+                      </a:rPr>
+                      <m:t>→</m:t>
+                    </m:r>
+                    <m:r>
+                      <a:rPr lang="nl-NL" b="0" i="1" smtClean="0">
+                        <a:latin typeface="Cambria Math" panose="02040503050406030204" pitchFamily="18" charset="0"/>
+                      </a:rPr>
+                      <m:t>𝑝</m:t>
+                    </m:r>
+                  </m:oMath>
+                </a14:m>
+                <a:endParaRPr lang="nl-NL" dirty="0"/>
+              </a:p>
+              <a:p>
+                <a:r>
+                  <a:rPr lang="nl-NL" dirty="0" err="1"/>
+                  <a:t>Allows</a:t>
+                </a:r>
+                <a:r>
+                  <a:rPr lang="nl-NL" dirty="0"/>
+                  <a:t> </a:t>
+                </a:r>
+                <a:r>
+                  <a:rPr lang="nl-NL" dirty="0" err="1"/>
+                  <a:t>us</a:t>
+                </a:r>
+                <a:r>
+                  <a:rPr lang="nl-NL" dirty="0"/>
+                  <a:t> to combine </a:t>
+                </a:r>
+                <a:r>
+                  <a:rPr lang="nl-NL" dirty="0" err="1"/>
+                  <a:t>structures</a:t>
+                </a:r>
+                <a:r>
+                  <a:rPr lang="nl-NL" dirty="0"/>
+                  <a:t> (trees, </a:t>
+                </a:r>
+                <a:r>
+                  <a:rPr lang="nl-NL" dirty="0" err="1"/>
+                  <a:t>booleans</a:t>
+                </a:r>
+                <a:r>
+                  <a:rPr lang="nl-NL" dirty="0"/>
+                  <a:t>, </a:t>
+                </a:r>
+                <a:r>
+                  <a:rPr lang="nl-NL" dirty="0" err="1"/>
+                  <a:t>numbers</a:t>
+                </a:r>
+                <a:r>
+                  <a:rPr lang="nl-NL" dirty="0"/>
+                  <a:t>, </a:t>
+                </a:r>
+                <a:r>
+                  <a:rPr lang="nl-NL" dirty="0" err="1"/>
+                  <a:t>lists</a:t>
+                </a:r>
+                <a:r>
+                  <a:rPr lang="nl-NL" dirty="0"/>
+                  <a:t>)</a:t>
+                </a:r>
+              </a:p>
+              <a:p>
+                <a:r>
+                  <a:rPr lang="nl-NL" dirty="0"/>
+                  <a:t>“</a:t>
+                </a:r>
+                <a:r>
+                  <a:rPr lang="nl-NL" dirty="0" err="1"/>
+                  <a:t>Mixing</a:t>
+                </a:r>
+                <a:r>
+                  <a:rPr lang="nl-NL" dirty="0"/>
+                  <a:t>” types and variables is tricky</a:t>
+                </a:r>
+              </a:p>
+            </p:txBody>
+          </p:sp>
+        </mc:Choice>
+        <mc:Fallback>
+          <p:sp>
+            <p:nvSpPr>
+              <p:cNvPr id="3" name="Tijdelijke aanduiding voor tekst 2">
+                <a:extLst>
+                  <a:ext uri="{FF2B5EF4-FFF2-40B4-BE49-F238E27FC236}">
+                    <a16:creationId xmlns:a16="http://schemas.microsoft.com/office/drawing/2014/main" id="{135AF79F-D6CA-8325-ADB0-21FD94AA3328}"/>
+                  </a:ext>
+                </a:extLst>
+              </p:cNvPr>
+              <p:cNvSpPr>
+                <a:spLocks noGrp="1" noRot="1" noChangeAspect="1" noMove="1" noResize="1" noEditPoints="1" noAdjustHandles="1" noChangeArrowheads="1" noChangeShapeType="1" noTextEdit="1"/>
+              </p:cNvSpPr>
+              <p:nvPr>
+                <p:ph type="body" sz="quarter" idx="11"/>
+              </p:nvPr>
+            </p:nvSpPr>
+            <p:spPr>
+              <a:blipFill>
+                <a:blip r:embed="rId2"/>
+                <a:stretch>
+                  <a:fillRect t="-1954"/>
+                </a:stretch>
+              </a:blipFill>
+            </p:spPr>
+            <p:txBody>
+              <a:bodyPr/>
+              <a:lstStyle/>
+              <a:p>
+                <a:r>
+                  <a:rPr lang="nl-NL">
+                    <a:noFill/>
+                  </a:rPr>
+                  <a:t> </a:t>
+                </a:r>
+              </a:p>
+            </p:txBody>
+          </p:sp>
+        </mc:Fallback>
+      </mc:AlternateContent>
+    </p:spTree>
+    <p:extLst>
+      <p:ext uri="{BB962C8B-B14F-4D97-AF65-F5344CB8AC3E}">
+        <p14:creationId xmlns:p14="http://schemas.microsoft.com/office/powerpoint/2010/main" val="580059958"/>
+      </p:ext>
+    </p:extLst>
+  </p:cSld>
+  <p:clrMapOvr>
+    <a:masterClrMapping/>
+  </p:clrMapOvr>
+  <mc:AlternateContent xmlns:mc="http://schemas.openxmlformats.org/markup-compatibility/2006" xmlns:p14="http://schemas.microsoft.com/office/powerpoint/2010/main">
+    <mc:Choice Requires="p14">
+      <p:transition spd="slow" p14:dur="800">
+        <p14:flythrough dir="out"/>
+      </p:transition>
+    </mc:Choice>
+    <mc:Fallback xmlns="">
+      <p:transition spd="slow">
+        <p:fade/>
+      </p:transition>
+    </mc:Fallback>
+  </mc:AlternateContent>
+</p:sld>
+</file>
+
+<file path=ppt/slides/slide11.xml><?xml version="1.0" encoding="utf-8"?>
+<p:sld xmlns:a="http://schemas.openxmlformats.org/drawingml/2006/main" xmlns:r="http://schemas.openxmlformats.org/officeDocument/2006/relationships" xmlns:p="http://schemas.openxmlformats.org/presentationml/2006/main">
+  <p:cSld>
+    <p:spTree>
+      <p:nvGrpSpPr>
+        <p:cNvPr id="1" name=""/>
+        <p:cNvGrpSpPr/>
+        <p:nvPr/>
+      </p:nvGrpSpPr>
+      <p:grpSpPr>
+        <a:xfrm>
+          <a:off x="0" y="0"/>
+          <a:ext cx="0" cy="0"/>
+          <a:chOff x="0" y="0"/>
+          <a:chExt cx="0" cy="0"/>
+        </a:xfrm>
+      </p:grpSpPr>
+    </p:spTree>
+    <p:extLst>
+      <p:ext uri="{BB962C8B-B14F-4D97-AF65-F5344CB8AC3E}">
+        <p14:creationId xmlns:p14="http://schemas.microsoft.com/office/powerpoint/2010/main" val="3147394000"/>
+      </p:ext>
+    </p:extLst>
+  </p:cSld>
+  <p:clrMapOvr>
+    <a:masterClrMapping/>
+  </p:clrMapOvr>
+  <mc:AlternateContent xmlns:mc="http://schemas.openxmlformats.org/markup-compatibility/2006" xmlns:p14="http://schemas.microsoft.com/office/powerpoint/2010/main">
+    <mc:Choice Requires="p14">
+      <p:transition spd="slow" p14:dur="800">
+        <p14:flythrough dir="out"/>
+      </p:transition>
+    </mc:Choice>
+    <mc:Fallback xmlns="">
+      <p:transition spd="slow">
+        <p:fade/>
+      </p:transition>
+    </mc:Fallback>
+  </mc:AlternateContent>
+</p:sld>
+</file>
+
 <file path=ppt/slides/slide2.xml><?xml version="1.0" encoding="utf-8"?>
 <p:sld xmlns:a="http://schemas.openxmlformats.org/drawingml/2006/main" xmlns:r="http://schemas.openxmlformats.org/officeDocument/2006/relationships" xmlns:p="http://schemas.openxmlformats.org/presentationml/2006/main">
   <p:cSld>
@@ -3673,6 +4043,2357 @@
           <p:cNvPr id="2" name="Titel 1">
             <a:extLst>
               <a:ext uri="{FF2B5EF4-FFF2-40B4-BE49-F238E27FC236}">
+                <a16:creationId xmlns:a16="http://schemas.microsoft.com/office/drawing/2014/main" id="{BF746C68-DA45-0921-538D-B2D1D81918F1}"/>
+              </a:ext>
+            </a:extLst>
+          </p:cNvPr>
+          <p:cNvSpPr>
+            <a:spLocks noGrp="1"/>
+          </p:cNvSpPr>
+          <p:nvPr>
+            <p:ph type="title"/>
+          </p:nvPr>
+        </p:nvSpPr>
+        <p:spPr/>
+        <p:txBody>
+          <a:bodyPr/>
+          <a:lstStyle/>
+          <a:p>
+            <a:r>
+              <a:rPr lang="nl-NL" dirty="0" err="1"/>
+              <a:t>Untyped</a:t>
+            </a:r>
+            <a:r>
+              <a:rPr lang="nl-NL" dirty="0"/>
+              <a:t> </a:t>
+            </a:r>
+            <a:r>
+              <a:rPr lang="el-GR" dirty="0"/>
+              <a:t>Λ</a:t>
+            </a:r>
+            <a:r>
+              <a:rPr lang="nl-NL" dirty="0"/>
+              <a:t>-calculus</a:t>
+            </a:r>
+          </a:p>
+        </p:txBody>
+      </p:sp>
+      <mc:AlternateContent xmlns:mc="http://schemas.openxmlformats.org/markup-compatibility/2006">
+        <mc:Choice xmlns:a14="http://schemas.microsoft.com/office/drawing/2010/main" Requires="a14">
+          <p:sp>
+            <p:nvSpPr>
+              <p:cNvPr id="3" name="Tijdelijke aanduiding voor tekst 2">
+                <a:extLst>
+                  <a:ext uri="{FF2B5EF4-FFF2-40B4-BE49-F238E27FC236}">
+                    <a16:creationId xmlns:a16="http://schemas.microsoft.com/office/drawing/2014/main" id="{ADD86C99-F18A-F8CE-07D5-441EA15C28B5}"/>
+                  </a:ext>
+                </a:extLst>
+              </p:cNvPr>
+              <p:cNvSpPr>
+                <a:spLocks noGrp="1"/>
+              </p:cNvSpPr>
+              <p:nvPr>
+                <p:ph type="body" sz="quarter" idx="11"/>
+              </p:nvPr>
+            </p:nvSpPr>
+            <p:spPr>
+              <a:xfrm>
+                <a:off x="2520000" y="2970000"/>
+                <a:ext cx="8280000" cy="2686082"/>
+              </a:xfrm>
+            </p:spPr>
+            <p:txBody>
+              <a:bodyPr>
+                <a:normAutofit/>
+              </a:bodyPr>
+              <a:lstStyle/>
+              <a:p>
+                <a:r>
+                  <a:rPr lang="nl-NL" dirty="0"/>
+                  <a:t>Simple term </a:t>
+                </a:r>
+                <a:r>
+                  <a:rPr lang="nl-NL" dirty="0" err="1"/>
+                  <a:t>rewriting</a:t>
+                </a:r>
+                <a:endParaRPr lang="nl-NL" dirty="0"/>
+              </a:p>
+              <a:p>
+                <a:r>
+                  <a:rPr lang="nl-NL" dirty="0"/>
+                  <a:t>Grammar: </a:t>
+                </a:r>
+                <a14:m>
+                  <m:oMath xmlns:m="http://schemas.openxmlformats.org/officeDocument/2006/math">
+                    <m:r>
+                      <a:rPr lang="nl-NL" b="0" i="1" smtClean="0">
+                        <a:latin typeface="Cambria Math" panose="02040503050406030204" pitchFamily="18" charset="0"/>
+                      </a:rPr>
+                      <m:t>𝑀</m:t>
+                    </m:r>
+                    <m:r>
+                      <a:rPr lang="nl-NL" b="0" i="1" smtClean="0">
+                        <a:latin typeface="Cambria Math" panose="02040503050406030204" pitchFamily="18" charset="0"/>
+                      </a:rPr>
+                      <m:t> ≔</m:t>
+                    </m:r>
+                    <m:r>
+                      <a:rPr lang="nl-NL" b="0" i="1" smtClean="0">
+                        <a:latin typeface="Cambria Math" panose="02040503050406030204" pitchFamily="18" charset="0"/>
+                      </a:rPr>
+                      <m:t>𝑥</m:t>
+                    </m:r>
+                    <m:r>
+                      <a:rPr lang="nl-NL" b="0" i="1" smtClean="0">
+                        <a:latin typeface="Cambria Math" panose="02040503050406030204" pitchFamily="18" charset="0"/>
+                      </a:rPr>
+                      <m:t> </m:t>
+                    </m:r>
+                    <m:d>
+                      <m:dPr>
+                        <m:begChr m:val="|"/>
+                        <m:endChr m:val="|"/>
+                        <m:ctrlPr>
+                          <a:rPr lang="nl-NL" b="0" i="1" smtClean="0">
+                            <a:latin typeface="Cambria Math" panose="02040503050406030204" pitchFamily="18" charset="0"/>
+                          </a:rPr>
+                        </m:ctrlPr>
+                      </m:dPr>
+                      <m:e>
+                        <m:r>
+                          <a:rPr lang="nl-NL" b="0" i="1" smtClean="0">
+                            <a:latin typeface="Cambria Math" panose="02040503050406030204" pitchFamily="18" charset="0"/>
+                          </a:rPr>
+                          <m:t> </m:t>
+                        </m:r>
+                        <m:d>
+                          <m:dPr>
+                            <m:ctrlPr>
+                              <a:rPr lang="nl-NL" b="0" i="1" smtClean="0">
+                                <a:latin typeface="Cambria Math" panose="02040503050406030204" pitchFamily="18" charset="0"/>
+                              </a:rPr>
+                            </m:ctrlPr>
+                          </m:dPr>
+                          <m:e>
+                            <m:r>
+                              <a:rPr lang="nl-NL" b="0" i="1" smtClean="0">
+                                <a:latin typeface="Cambria Math" panose="02040503050406030204" pitchFamily="18" charset="0"/>
+                              </a:rPr>
+                              <m:t>𝑀𝑀</m:t>
+                            </m:r>
+                          </m:e>
+                        </m:d>
+                      </m:e>
+                    </m:d>
+                    <m:r>
+                      <a:rPr lang="nl-NL" b="0" i="1" smtClean="0">
+                        <a:latin typeface="Cambria Math" panose="02040503050406030204" pitchFamily="18" charset="0"/>
+                      </a:rPr>
+                      <m:t>(</m:t>
+                    </m:r>
+                    <m:r>
+                      <a:rPr lang="el-GR" i="1">
+                        <a:latin typeface="Cambria Math" panose="02040503050406030204" pitchFamily="18" charset="0"/>
+                      </a:rPr>
+                      <m:t>𝜆</m:t>
+                    </m:r>
+                    <m:r>
+                      <a:rPr lang="nl-NL" b="0" i="1" smtClean="0">
+                        <a:latin typeface="Cambria Math" panose="02040503050406030204" pitchFamily="18" charset="0"/>
+                      </a:rPr>
+                      <m:t>𝑥𝑀</m:t>
+                    </m:r>
+                    <m:r>
+                      <a:rPr lang="nl-NL" b="0" i="1" smtClean="0">
+                        <a:latin typeface="Cambria Math" panose="02040503050406030204" pitchFamily="18" charset="0"/>
+                      </a:rPr>
+                      <m:t>)</m:t>
+                    </m:r>
+                  </m:oMath>
+                </a14:m>
+                <a:endParaRPr lang="nl-NL" dirty="0"/>
+              </a:p>
+              <a:p>
+                <a:r>
+                  <a:rPr lang="nl-NL" dirty="0" err="1"/>
+                  <a:t>Simpler</a:t>
+                </a:r>
+                <a:r>
+                  <a:rPr lang="nl-NL" dirty="0"/>
+                  <a:t> </a:t>
+                </a:r>
+                <a:r>
+                  <a:rPr lang="nl-NL" dirty="0" err="1"/>
+                  <a:t>notation</a:t>
+                </a:r>
+                <a:r>
+                  <a:rPr lang="nl-NL" dirty="0"/>
+                  <a:t>: </a:t>
+                </a:r>
+                <a14:m>
+                  <m:oMath xmlns:m="http://schemas.openxmlformats.org/officeDocument/2006/math">
+                    <m:d>
+                      <m:dPr>
+                        <m:ctrlPr>
+                          <a:rPr lang="nl-NL" b="0" i="1" smtClean="0">
+                            <a:latin typeface="Cambria Math" panose="02040503050406030204" pitchFamily="18" charset="0"/>
+                          </a:rPr>
+                        </m:ctrlPr>
+                      </m:dPr>
+                      <m:e>
+                        <m:r>
+                          <a:rPr lang="el-GR" i="1">
+                            <a:latin typeface="Cambria Math" panose="02040503050406030204" pitchFamily="18" charset="0"/>
+                          </a:rPr>
+                          <m:t>𝜆</m:t>
+                        </m:r>
+                        <m:r>
+                          <a:rPr lang="nl-NL" b="0" i="1" smtClean="0">
+                            <a:latin typeface="Cambria Math" panose="02040503050406030204" pitchFamily="18" charset="0"/>
+                          </a:rPr>
+                          <m:t>𝑥</m:t>
+                        </m:r>
+                        <m:d>
+                          <m:dPr>
+                            <m:ctrlPr>
+                              <a:rPr lang="nl-NL" b="0" i="1" smtClean="0">
+                                <a:latin typeface="Cambria Math" panose="02040503050406030204" pitchFamily="18" charset="0"/>
+                              </a:rPr>
+                            </m:ctrlPr>
+                          </m:dPr>
+                          <m:e>
+                            <m:r>
+                              <a:rPr lang="el-GR" i="1">
+                                <a:latin typeface="Cambria Math" panose="02040503050406030204" pitchFamily="18" charset="0"/>
+                              </a:rPr>
+                              <m:t>𝜆</m:t>
+                            </m:r>
+                            <m:r>
+                              <a:rPr lang="nl-NL" b="0" i="1" smtClean="0">
+                                <a:latin typeface="Cambria Math" panose="02040503050406030204" pitchFamily="18" charset="0"/>
+                              </a:rPr>
+                              <m:t>𝑦</m:t>
+                            </m:r>
+                            <m:d>
+                              <m:dPr>
+                                <m:ctrlPr>
+                                  <a:rPr lang="nl-NL" b="0" i="1" smtClean="0">
+                                    <a:latin typeface="Cambria Math" panose="02040503050406030204" pitchFamily="18" charset="0"/>
+                                  </a:rPr>
+                                </m:ctrlPr>
+                              </m:dPr>
+                              <m:e>
+                                <m:d>
+                                  <m:dPr>
+                                    <m:ctrlPr>
+                                      <a:rPr lang="nl-NL" b="0" i="1" smtClean="0">
+                                        <a:latin typeface="Cambria Math" panose="02040503050406030204" pitchFamily="18" charset="0"/>
+                                      </a:rPr>
+                                    </m:ctrlPr>
+                                  </m:dPr>
+                                  <m:e>
+                                    <m:r>
+                                      <a:rPr lang="nl-NL" b="0" i="1" smtClean="0">
+                                        <a:latin typeface="Cambria Math" panose="02040503050406030204" pitchFamily="18" charset="0"/>
+                                      </a:rPr>
+                                      <m:t>𝑥𝑦</m:t>
+                                    </m:r>
+                                  </m:e>
+                                </m:d>
+                                <m:r>
+                                  <a:rPr lang="nl-NL" b="0" i="1" smtClean="0">
+                                    <a:latin typeface="Cambria Math" panose="02040503050406030204" pitchFamily="18" charset="0"/>
+                                  </a:rPr>
+                                  <m:t>𝑥</m:t>
+                                </m:r>
+                              </m:e>
+                            </m:d>
+                          </m:e>
+                        </m:d>
+                      </m:e>
+                    </m:d>
+                    <m:r>
+                      <a:rPr lang="nl-NL" b="0" i="1" smtClean="0">
+                        <a:latin typeface="Cambria Math" panose="02040503050406030204" pitchFamily="18" charset="0"/>
+                      </a:rPr>
+                      <m:t>≡</m:t>
+                    </m:r>
+                    <m:r>
+                      <a:rPr lang="el-GR" i="1">
+                        <a:latin typeface="Cambria Math" panose="02040503050406030204" pitchFamily="18" charset="0"/>
+                      </a:rPr>
+                      <m:t>𝜆</m:t>
+                    </m:r>
+                    <m:r>
+                      <a:rPr lang="nl-NL" b="0" i="1" smtClean="0">
+                        <a:latin typeface="Cambria Math" panose="02040503050406030204" pitchFamily="18" charset="0"/>
+                      </a:rPr>
+                      <m:t>𝑥𝑦</m:t>
+                    </m:r>
+                    <m:r>
+                      <a:rPr lang="nl-NL" b="0" i="1" smtClean="0">
+                        <a:latin typeface="Cambria Math" panose="02040503050406030204" pitchFamily="18" charset="0"/>
+                      </a:rPr>
+                      <m:t>.</m:t>
+                    </m:r>
+                    <m:r>
+                      <a:rPr lang="nl-NL" b="0" i="1" smtClean="0">
+                        <a:latin typeface="Cambria Math" panose="02040503050406030204" pitchFamily="18" charset="0"/>
+                      </a:rPr>
+                      <m:t>𝑥𝑦𝑥</m:t>
+                    </m:r>
+                  </m:oMath>
+                </a14:m>
+                <a:endParaRPr lang="nl-NL" dirty="0"/>
+              </a:p>
+              <a:p>
+                <a:r>
+                  <a:rPr lang="nl-NL" dirty="0"/>
+                  <a:t>β-</a:t>
+                </a:r>
+                <a:r>
+                  <a:rPr lang="nl-NL" dirty="0" err="1"/>
+                  <a:t>reduction</a:t>
+                </a:r>
+                <a:r>
+                  <a:rPr lang="nl-NL" dirty="0"/>
+                  <a:t>: </a:t>
+                </a:r>
+                <a14:m>
+                  <m:oMath xmlns:m="http://schemas.openxmlformats.org/officeDocument/2006/math">
+                    <m:d>
+                      <m:dPr>
+                        <m:ctrlPr>
+                          <a:rPr lang="nl-NL" b="0" i="0" smtClean="0">
+                            <a:latin typeface="Cambria Math" panose="02040503050406030204" pitchFamily="18" charset="0"/>
+                          </a:rPr>
+                        </m:ctrlPr>
+                      </m:dPr>
+                      <m:e>
+                        <m:r>
+                          <a:rPr lang="nl-NL" b="0" i="1" smtClean="0">
+                            <a:latin typeface="Cambria Math" panose="02040503050406030204" pitchFamily="18" charset="0"/>
+                          </a:rPr>
+                          <m:t>𝜆</m:t>
+                        </m:r>
+                        <m:r>
+                          <a:rPr lang="nl-NL" b="0" i="1" smtClean="0">
+                            <a:latin typeface="Cambria Math" panose="02040503050406030204" pitchFamily="18" charset="0"/>
+                          </a:rPr>
+                          <m:t>𝑥</m:t>
+                        </m:r>
+                        <m:r>
+                          <a:rPr lang="nl-NL" b="0" i="1" smtClean="0">
+                            <a:latin typeface="Cambria Math" panose="02040503050406030204" pitchFamily="18" charset="0"/>
+                          </a:rPr>
+                          <m:t>.</m:t>
+                        </m:r>
+                        <m:r>
+                          <a:rPr lang="nl-NL" b="0" i="1" smtClean="0">
+                            <a:latin typeface="Cambria Math" panose="02040503050406030204" pitchFamily="18" charset="0"/>
+                          </a:rPr>
+                          <m:t>𝑀</m:t>
+                        </m:r>
+                      </m:e>
+                    </m:d>
+                    <m:r>
+                      <a:rPr lang="nl-NL" b="0" i="1" smtClean="0">
+                        <a:latin typeface="Cambria Math" panose="02040503050406030204" pitchFamily="18" charset="0"/>
+                      </a:rPr>
+                      <m:t>𝑦</m:t>
+                    </m:r>
+                    <m:sSub>
+                      <m:sSubPr>
+                        <m:ctrlPr>
+                          <a:rPr lang="nl-NL" b="0" i="1" smtClean="0">
+                            <a:latin typeface="Cambria Math" panose="02040503050406030204" pitchFamily="18" charset="0"/>
+                          </a:rPr>
+                        </m:ctrlPr>
+                      </m:sSubPr>
+                      <m:e>
+                        <m:r>
+                          <a:rPr lang="nl-NL" b="0" i="1" smtClean="0">
+                            <a:latin typeface="Cambria Math" panose="02040503050406030204" pitchFamily="18" charset="0"/>
+                          </a:rPr>
+                          <m:t>→</m:t>
+                        </m:r>
+                      </m:e>
+                      <m:sub>
+                        <m:r>
+                          <a:rPr lang="nl-NL" b="0" i="1" smtClean="0">
+                            <a:latin typeface="Cambria Math" panose="02040503050406030204" pitchFamily="18" charset="0"/>
+                          </a:rPr>
+                          <m:t>𝛽</m:t>
+                        </m:r>
+                      </m:sub>
+                    </m:sSub>
+                    <m:r>
+                      <a:rPr lang="nl-NL" b="0" i="1" smtClean="0">
+                        <a:latin typeface="Cambria Math" panose="02040503050406030204" pitchFamily="18" charset="0"/>
+                      </a:rPr>
+                      <m:t>𝑀</m:t>
+                    </m:r>
+                    <m:r>
+                      <a:rPr lang="nl-NL" b="0" i="1" smtClean="0">
+                        <a:latin typeface="Cambria Math" panose="02040503050406030204" pitchFamily="18" charset="0"/>
+                      </a:rPr>
+                      <m:t>[</m:t>
+                    </m:r>
+                    <m:r>
+                      <a:rPr lang="nl-NL" b="0" i="1" smtClean="0">
+                        <a:latin typeface="Cambria Math" panose="02040503050406030204" pitchFamily="18" charset="0"/>
+                      </a:rPr>
+                      <m:t>𝑥</m:t>
+                    </m:r>
+                    <m:r>
+                      <a:rPr lang="nl-NL" b="0" i="1" smtClean="0">
+                        <a:latin typeface="Cambria Math" panose="02040503050406030204" pitchFamily="18" charset="0"/>
+                      </a:rPr>
+                      <m:t>≔</m:t>
+                    </m:r>
+                    <m:r>
+                      <a:rPr lang="nl-NL" b="0" i="1" smtClean="0">
+                        <a:latin typeface="Cambria Math" panose="02040503050406030204" pitchFamily="18" charset="0"/>
+                      </a:rPr>
+                      <m:t>𝑦</m:t>
+                    </m:r>
+                    <m:r>
+                      <a:rPr lang="nl-NL" b="0" i="1" smtClean="0">
+                        <a:latin typeface="Cambria Math" panose="02040503050406030204" pitchFamily="18" charset="0"/>
+                      </a:rPr>
+                      <m:t>]</m:t>
+                    </m:r>
+                  </m:oMath>
+                </a14:m>
+                <a:r>
+                  <a:rPr lang="nl-NL" dirty="0"/>
+                  <a:t> (“</a:t>
+                </a:r>
+                <a:r>
+                  <a:rPr lang="nl-NL" dirty="0" err="1"/>
+                  <a:t>computation</a:t>
+                </a:r>
+                <a:r>
+                  <a:rPr lang="nl-NL" dirty="0"/>
+                  <a:t>”)</a:t>
+                </a:r>
+              </a:p>
+              <a:p>
+                <a:r>
+                  <a:rPr lang="nl-NL" dirty="0" err="1"/>
+                  <a:t>Not</a:t>
+                </a:r>
+                <a:r>
+                  <a:rPr lang="nl-NL" dirty="0"/>
+                  <a:t> </a:t>
+                </a:r>
+                <a:r>
+                  <a:rPr lang="nl-NL" dirty="0" err="1"/>
+                  <a:t>terminating</a:t>
+                </a:r>
+                <a:r>
+                  <a:rPr lang="nl-NL" dirty="0"/>
+                  <a:t>! </a:t>
+                </a:r>
+                <a14:m>
+                  <m:oMath xmlns:m="http://schemas.openxmlformats.org/officeDocument/2006/math">
+                    <m:d>
+                      <m:dPr>
+                        <m:ctrlPr>
+                          <a:rPr lang="nl-NL" b="0" i="1" smtClean="0">
+                            <a:latin typeface="Cambria Math" panose="02040503050406030204" pitchFamily="18" charset="0"/>
+                          </a:rPr>
+                        </m:ctrlPr>
+                      </m:dPr>
+                      <m:e>
+                        <m:r>
+                          <a:rPr lang="nl-NL" b="0" i="1" smtClean="0">
+                            <a:latin typeface="Cambria Math" panose="02040503050406030204" pitchFamily="18" charset="0"/>
+                          </a:rPr>
+                          <m:t>𝜆</m:t>
+                        </m:r>
+                        <m:r>
+                          <a:rPr lang="nl-NL" b="0" i="1" smtClean="0">
+                            <a:latin typeface="Cambria Math" panose="02040503050406030204" pitchFamily="18" charset="0"/>
+                          </a:rPr>
+                          <m:t>𝑥</m:t>
+                        </m:r>
+                        <m:r>
+                          <a:rPr lang="nl-NL" b="0" i="1" smtClean="0">
+                            <a:latin typeface="Cambria Math" panose="02040503050406030204" pitchFamily="18" charset="0"/>
+                          </a:rPr>
+                          <m:t>.</m:t>
+                        </m:r>
+                        <m:r>
+                          <a:rPr lang="nl-NL" b="0" i="1" smtClean="0">
+                            <a:latin typeface="Cambria Math" panose="02040503050406030204" pitchFamily="18" charset="0"/>
+                          </a:rPr>
+                          <m:t>𝑥𝑥</m:t>
+                        </m:r>
+                      </m:e>
+                    </m:d>
+                    <m:d>
+                      <m:dPr>
+                        <m:ctrlPr>
+                          <a:rPr lang="nl-NL" b="0" i="1" smtClean="0">
+                            <a:latin typeface="Cambria Math" panose="02040503050406030204" pitchFamily="18" charset="0"/>
+                          </a:rPr>
+                        </m:ctrlPr>
+                      </m:dPr>
+                      <m:e>
+                        <m:r>
+                          <a:rPr lang="nl-NL" b="0" i="1" smtClean="0">
+                            <a:latin typeface="Cambria Math" panose="02040503050406030204" pitchFamily="18" charset="0"/>
+                          </a:rPr>
+                          <m:t>𝜆</m:t>
+                        </m:r>
+                        <m:r>
+                          <a:rPr lang="nl-NL" b="0" i="1" smtClean="0">
+                            <a:latin typeface="Cambria Math" panose="02040503050406030204" pitchFamily="18" charset="0"/>
+                          </a:rPr>
+                          <m:t>𝑥</m:t>
+                        </m:r>
+                        <m:r>
+                          <a:rPr lang="nl-NL" b="0" i="1" smtClean="0">
+                            <a:latin typeface="Cambria Math" panose="02040503050406030204" pitchFamily="18" charset="0"/>
+                          </a:rPr>
+                          <m:t>.</m:t>
+                        </m:r>
+                        <m:r>
+                          <a:rPr lang="nl-NL" b="0" i="1" smtClean="0">
+                            <a:latin typeface="Cambria Math" panose="02040503050406030204" pitchFamily="18" charset="0"/>
+                          </a:rPr>
+                          <m:t>𝑥𝑥</m:t>
+                        </m:r>
+                      </m:e>
+                    </m:d>
+                    <m:sSub>
+                      <m:sSubPr>
+                        <m:ctrlPr>
+                          <a:rPr lang="nl-NL" b="0" i="1" smtClean="0">
+                            <a:latin typeface="Cambria Math" panose="02040503050406030204" pitchFamily="18" charset="0"/>
+                          </a:rPr>
+                        </m:ctrlPr>
+                      </m:sSubPr>
+                      <m:e>
+                        <m:r>
+                          <a:rPr lang="nl-NL" b="0" i="1" smtClean="0">
+                            <a:latin typeface="Cambria Math" panose="02040503050406030204" pitchFamily="18" charset="0"/>
+                          </a:rPr>
+                          <m:t>→</m:t>
+                        </m:r>
+                      </m:e>
+                      <m:sub>
+                        <m:r>
+                          <a:rPr lang="nl-NL" b="0" i="1" smtClean="0">
+                            <a:latin typeface="Cambria Math" panose="02040503050406030204" pitchFamily="18" charset="0"/>
+                          </a:rPr>
+                          <m:t>𝛽</m:t>
+                        </m:r>
+                      </m:sub>
+                    </m:sSub>
+                    <m:r>
+                      <a:rPr lang="nl-NL" b="0" i="1" smtClean="0">
+                        <a:latin typeface="Cambria Math" panose="02040503050406030204" pitchFamily="18" charset="0"/>
+                      </a:rPr>
+                      <m:t>(</m:t>
+                    </m:r>
+                    <m:r>
+                      <a:rPr lang="nl-NL" b="0" i="1" smtClean="0">
+                        <a:latin typeface="Cambria Math" panose="02040503050406030204" pitchFamily="18" charset="0"/>
+                      </a:rPr>
+                      <m:t>𝜆</m:t>
+                    </m:r>
+                    <m:r>
+                      <a:rPr lang="nl-NL" b="0" i="1" smtClean="0">
+                        <a:latin typeface="Cambria Math" panose="02040503050406030204" pitchFamily="18" charset="0"/>
+                      </a:rPr>
+                      <m:t>𝑥</m:t>
+                    </m:r>
+                    <m:r>
+                      <a:rPr lang="nl-NL" b="0" i="1" smtClean="0">
+                        <a:latin typeface="Cambria Math" panose="02040503050406030204" pitchFamily="18" charset="0"/>
+                      </a:rPr>
+                      <m:t>.</m:t>
+                    </m:r>
+                    <m:r>
+                      <a:rPr lang="nl-NL" b="0" i="1" smtClean="0">
+                        <a:latin typeface="Cambria Math" panose="02040503050406030204" pitchFamily="18" charset="0"/>
+                      </a:rPr>
+                      <m:t>𝑥𝑥</m:t>
+                    </m:r>
+                    <m:r>
+                      <a:rPr lang="nl-NL" b="0" i="1" smtClean="0">
+                        <a:latin typeface="Cambria Math" panose="02040503050406030204" pitchFamily="18" charset="0"/>
+                      </a:rPr>
+                      <m:t>)(</m:t>
+                    </m:r>
+                    <m:r>
+                      <a:rPr lang="nl-NL" b="0" i="1" smtClean="0">
+                        <a:latin typeface="Cambria Math" panose="02040503050406030204" pitchFamily="18" charset="0"/>
+                      </a:rPr>
+                      <m:t>𝜆</m:t>
+                    </m:r>
+                    <m:r>
+                      <a:rPr lang="nl-NL" b="0" i="1" smtClean="0">
+                        <a:latin typeface="Cambria Math" panose="02040503050406030204" pitchFamily="18" charset="0"/>
+                      </a:rPr>
+                      <m:t>𝑥</m:t>
+                    </m:r>
+                    <m:r>
+                      <a:rPr lang="nl-NL" b="0" i="1" smtClean="0">
+                        <a:latin typeface="Cambria Math" panose="02040503050406030204" pitchFamily="18" charset="0"/>
+                      </a:rPr>
+                      <m:t>.</m:t>
+                    </m:r>
+                    <m:r>
+                      <a:rPr lang="nl-NL" b="0" i="1" smtClean="0">
+                        <a:latin typeface="Cambria Math" panose="02040503050406030204" pitchFamily="18" charset="0"/>
+                      </a:rPr>
+                      <m:t>𝑥𝑥</m:t>
+                    </m:r>
+                    <m:r>
+                      <a:rPr lang="nl-NL" b="0" i="1" smtClean="0">
+                        <a:latin typeface="Cambria Math" panose="02040503050406030204" pitchFamily="18" charset="0"/>
+                      </a:rPr>
+                      <m:t>)</m:t>
+                    </m:r>
+                  </m:oMath>
+                </a14:m>
+                <a:endParaRPr lang="nl-NL" dirty="0"/>
+              </a:p>
+            </p:txBody>
+          </p:sp>
+        </mc:Choice>
+        <mc:Fallback>
+          <p:sp>
+            <p:nvSpPr>
+              <p:cNvPr id="3" name="Tijdelijke aanduiding voor tekst 2">
+                <a:extLst>
+                  <a:ext uri="{FF2B5EF4-FFF2-40B4-BE49-F238E27FC236}">
+                    <a16:creationId xmlns:a16="http://schemas.microsoft.com/office/drawing/2014/main" id="{ADD86C99-F18A-F8CE-07D5-441EA15C28B5}"/>
+                  </a:ext>
+                </a:extLst>
+              </p:cNvPr>
+              <p:cNvSpPr>
+                <a:spLocks noGrp="1" noRot="1" noChangeAspect="1" noMove="1" noResize="1" noEditPoints="1" noAdjustHandles="1" noChangeArrowheads="1" noChangeShapeType="1" noTextEdit="1"/>
+              </p:cNvSpPr>
+              <p:nvPr>
+                <p:ph type="body" sz="quarter" idx="11"/>
+              </p:nvPr>
+            </p:nvSpPr>
+            <p:spPr>
+              <a:xfrm>
+                <a:off x="2520000" y="2970000"/>
+                <a:ext cx="8280000" cy="2686082"/>
+              </a:xfrm>
+              <a:blipFill>
+                <a:blip r:embed="rId2"/>
+                <a:stretch>
+                  <a:fillRect t="-1361"/>
+                </a:stretch>
+              </a:blipFill>
+            </p:spPr>
+            <p:txBody>
+              <a:bodyPr/>
+              <a:lstStyle/>
+              <a:p>
+                <a:r>
+                  <a:rPr lang="nl-NL">
+                    <a:noFill/>
+                  </a:rPr>
+                  <a:t> </a:t>
+                </a:r>
+              </a:p>
+            </p:txBody>
+          </p:sp>
+        </mc:Fallback>
+      </mc:AlternateContent>
+    </p:spTree>
+    <p:extLst>
+      <p:ext uri="{BB962C8B-B14F-4D97-AF65-F5344CB8AC3E}">
+        <p14:creationId xmlns:p14="http://schemas.microsoft.com/office/powerpoint/2010/main" val="2795018367"/>
+      </p:ext>
+    </p:extLst>
+  </p:cSld>
+  <p:clrMapOvr>
+    <a:masterClrMapping/>
+  </p:clrMapOvr>
+  <mc:AlternateContent xmlns:mc="http://schemas.openxmlformats.org/markup-compatibility/2006" xmlns:p14="http://schemas.microsoft.com/office/powerpoint/2010/main">
+    <mc:Choice Requires="p14">
+      <p:transition spd="slow" p14:dur="800">
+        <p14:flythrough dir="out"/>
+      </p:transition>
+    </mc:Choice>
+    <mc:Fallback xmlns="">
+      <p:transition spd="slow">
+        <p:fade/>
+      </p:transition>
+    </mc:Fallback>
+  </mc:AlternateContent>
+  <p:timing>
+    <p:tnLst>
+      <p:par>
+        <p:cTn id="1" dur="indefinite" restart="never" nodeType="tmRoot">
+          <p:childTnLst>
+            <p:seq concurrent="1" nextAc="seek">
+              <p:cTn id="2" dur="indefinite" nodeType="mainSeq">
+                <p:childTnLst>
+                  <p:par>
+                    <p:cTn id="3" fill="hold">
+                      <p:stCondLst>
+                        <p:cond delay="indefinite"/>
+                      </p:stCondLst>
+                      <p:childTnLst>
+                        <p:par>
+                          <p:cTn id="4" fill="hold">
+                            <p:stCondLst>
+                              <p:cond delay="0"/>
+                            </p:stCondLst>
+                            <p:childTnLst>
+                              <p:par>
+                                <p:cTn id="5" presetID="64" presetClass="path" presetSubtype="0" decel="50000" fill="hold" grpId="0" nodeType="clickEffect">
+                                  <p:stCondLst>
+                                    <p:cond delay="0"/>
+                                  </p:stCondLst>
+                                  <p:childTnLst>
+                                    <p:animMotion origin="layout" path="M -3.95833E-6 -7.40741E-7 L -0.00052 -0.14167 " pathEditMode="relative" rAng="0" ptsTypes="AA">
+                                      <p:cBhvr>
+                                        <p:cTn id="6" dur="500" fill="hold"/>
+                                        <p:tgtEl>
+                                          <p:spTgt spid="2"/>
+                                        </p:tgtEl>
+                                        <p:attrNameLst>
+                                          <p:attrName>ppt_x</p:attrName>
+                                          <p:attrName>ppt_y</p:attrName>
+                                        </p:attrNameLst>
+                                      </p:cBhvr>
+                                      <p:rCtr x="-26" y="-7083"/>
+                                    </p:animMotion>
+                                  </p:childTnLst>
+                                </p:cTn>
+                              </p:par>
+                              <p:par>
+                                <p:cTn id="7" presetID="12" presetClass="entr" presetSubtype="4" fill="hold" grpId="0" nodeType="withEffect">
+                                  <p:stCondLst>
+                                    <p:cond delay="0"/>
+                                  </p:stCondLst>
+                                  <p:childTnLst>
+                                    <p:set>
+                                      <p:cBhvr>
+                                        <p:cTn id="8" dur="1" fill="hold">
+                                          <p:stCondLst>
+                                            <p:cond delay="0"/>
+                                          </p:stCondLst>
+                                        </p:cTn>
+                                        <p:tgtEl>
+                                          <p:spTgt spid="3">
+                                            <p:txEl>
+                                              <p:pRg st="0" end="0"/>
+                                            </p:txEl>
+                                          </p:spTgt>
+                                        </p:tgtEl>
+                                        <p:attrNameLst>
+                                          <p:attrName>style.visibility</p:attrName>
+                                        </p:attrNameLst>
+                                      </p:cBhvr>
+                                      <p:to>
+                                        <p:strVal val="visible"/>
+                                      </p:to>
+                                    </p:set>
+                                    <p:anim calcmode="lin" valueType="num">
+                                      <p:cBhvr additive="base">
+                                        <p:cTn id="9" dur="500"/>
+                                        <p:tgtEl>
+                                          <p:spTgt spid="3">
+                                            <p:txEl>
+                                              <p:pRg st="0" end="0"/>
+                                            </p:txEl>
+                                          </p:spTgt>
+                                        </p:tgtEl>
+                                        <p:attrNameLst>
+                                          <p:attrName>ppt_y</p:attrName>
+                                        </p:attrNameLst>
+                                      </p:cBhvr>
+                                      <p:tavLst>
+                                        <p:tav tm="0">
+                                          <p:val>
+                                            <p:strVal val="#ppt_y+#ppt_h*1.125000"/>
+                                          </p:val>
+                                        </p:tav>
+                                        <p:tav tm="100000">
+                                          <p:val>
+                                            <p:strVal val="#ppt_y"/>
+                                          </p:val>
+                                        </p:tav>
+                                      </p:tavLst>
+                                    </p:anim>
+                                    <p:animEffect transition="in" filter="wipe(up)">
+                                      <p:cBhvr>
+                                        <p:cTn id="10" dur="500"/>
+                                        <p:tgtEl>
+                                          <p:spTgt spid="3">
+                                            <p:txEl>
+                                              <p:pRg st="0" end="0"/>
+                                            </p:txEl>
+                                          </p:spTgt>
+                                        </p:tgtEl>
+                                      </p:cBhvr>
+                                    </p:animEffect>
+                                  </p:childTnLst>
+                                </p:cTn>
+                              </p:par>
+                              <p:par>
+                                <p:cTn id="11" presetID="64" presetClass="path" presetSubtype="0" decel="50000" fill="hold" grpId="1" nodeType="withEffect">
+                                  <p:stCondLst>
+                                    <p:cond delay="0"/>
+                                  </p:stCondLst>
+                                  <p:childTnLst>
+                                    <p:animMotion origin="layout" path="M -0.00052 0.06227 L -3.95833E-6 -2.96296E-6 " pathEditMode="relative" rAng="0" ptsTypes="AA">
+                                      <p:cBhvr>
+                                        <p:cTn id="12" dur="500" fill="hold"/>
+                                        <p:tgtEl>
+                                          <p:spTgt spid="3">
+                                            <p:txEl>
+                                              <p:pRg st="0" end="0"/>
+                                            </p:txEl>
+                                          </p:spTgt>
+                                        </p:tgtEl>
+                                        <p:attrNameLst>
+                                          <p:attrName>ppt_x</p:attrName>
+                                          <p:attrName>ppt_y</p:attrName>
+                                        </p:attrNameLst>
+                                      </p:cBhvr>
+                                      <p:rCtr x="26" y="-3125"/>
+                                    </p:animMotion>
+                                  </p:childTnLst>
+                                </p:cTn>
+                              </p:par>
+                            </p:childTnLst>
+                          </p:cTn>
+                        </p:par>
+                      </p:childTnLst>
+                    </p:cTn>
+                  </p:par>
+                  <p:par>
+                    <p:cTn id="13" fill="hold">
+                      <p:stCondLst>
+                        <p:cond delay="indefinite"/>
+                      </p:stCondLst>
+                      <p:childTnLst>
+                        <p:par>
+                          <p:cTn id="14" fill="hold">
+                            <p:stCondLst>
+                              <p:cond delay="0"/>
+                            </p:stCondLst>
+                            <p:childTnLst>
+                              <p:par>
+                                <p:cTn id="15" presetID="12" presetClass="entr" presetSubtype="4" fill="hold" grpId="0" nodeType="clickEffect">
+                                  <p:stCondLst>
+                                    <p:cond delay="0"/>
+                                  </p:stCondLst>
+                                  <p:childTnLst>
+                                    <p:set>
+                                      <p:cBhvr>
+                                        <p:cTn id="16" dur="1" fill="hold">
+                                          <p:stCondLst>
+                                            <p:cond delay="0"/>
+                                          </p:stCondLst>
+                                        </p:cTn>
+                                        <p:tgtEl>
+                                          <p:spTgt spid="3">
+                                            <p:txEl>
+                                              <p:pRg st="1" end="1"/>
+                                            </p:txEl>
+                                          </p:spTgt>
+                                        </p:tgtEl>
+                                        <p:attrNameLst>
+                                          <p:attrName>style.visibility</p:attrName>
+                                        </p:attrNameLst>
+                                      </p:cBhvr>
+                                      <p:to>
+                                        <p:strVal val="visible"/>
+                                      </p:to>
+                                    </p:set>
+                                    <p:anim calcmode="lin" valueType="num">
+                                      <p:cBhvr additive="base">
+                                        <p:cTn id="17" dur="500"/>
+                                        <p:tgtEl>
+                                          <p:spTgt spid="3">
+                                            <p:txEl>
+                                              <p:pRg st="1" end="1"/>
+                                            </p:txEl>
+                                          </p:spTgt>
+                                        </p:tgtEl>
+                                        <p:attrNameLst>
+                                          <p:attrName>ppt_y</p:attrName>
+                                        </p:attrNameLst>
+                                      </p:cBhvr>
+                                      <p:tavLst>
+                                        <p:tav tm="0">
+                                          <p:val>
+                                            <p:strVal val="#ppt_y+#ppt_h*1.125000"/>
+                                          </p:val>
+                                        </p:tav>
+                                        <p:tav tm="100000">
+                                          <p:val>
+                                            <p:strVal val="#ppt_y"/>
+                                          </p:val>
+                                        </p:tav>
+                                      </p:tavLst>
+                                    </p:anim>
+                                    <p:animEffect transition="in" filter="wipe(up)">
+                                      <p:cBhvr>
+                                        <p:cTn id="18" dur="500"/>
+                                        <p:tgtEl>
+                                          <p:spTgt spid="3">
+                                            <p:txEl>
+                                              <p:pRg st="1" end="1"/>
+                                            </p:txEl>
+                                          </p:spTgt>
+                                        </p:tgtEl>
+                                      </p:cBhvr>
+                                    </p:animEffect>
+                                  </p:childTnLst>
+                                </p:cTn>
+                              </p:par>
+                              <p:par>
+                                <p:cTn id="19" presetID="64" presetClass="path" presetSubtype="0" decel="50000" fill="hold" grpId="1" nodeType="withEffect">
+                                  <p:stCondLst>
+                                    <p:cond delay="0"/>
+                                  </p:stCondLst>
+                                  <p:childTnLst>
+                                    <p:animMotion origin="layout" path="M -0.00052 0.06227 L -3.95833E-6 -2.96296E-6 " pathEditMode="relative" rAng="0" ptsTypes="AA">
+                                      <p:cBhvr>
+                                        <p:cTn id="20" dur="500" fill="hold"/>
+                                        <p:tgtEl>
+                                          <p:spTgt spid="3">
+                                            <p:txEl>
+                                              <p:pRg st="1" end="1"/>
+                                            </p:txEl>
+                                          </p:spTgt>
+                                        </p:tgtEl>
+                                        <p:attrNameLst>
+                                          <p:attrName>ppt_x</p:attrName>
+                                          <p:attrName>ppt_y</p:attrName>
+                                        </p:attrNameLst>
+                                      </p:cBhvr>
+                                      <p:rCtr x="26" y="-3125"/>
+                                    </p:animMotion>
+                                  </p:childTnLst>
+                                </p:cTn>
+                              </p:par>
+                            </p:childTnLst>
+                          </p:cTn>
+                        </p:par>
+                      </p:childTnLst>
+                    </p:cTn>
+                  </p:par>
+                  <p:par>
+                    <p:cTn id="21" fill="hold">
+                      <p:stCondLst>
+                        <p:cond delay="indefinite"/>
+                      </p:stCondLst>
+                      <p:childTnLst>
+                        <p:par>
+                          <p:cTn id="22" fill="hold">
+                            <p:stCondLst>
+                              <p:cond delay="0"/>
+                            </p:stCondLst>
+                            <p:childTnLst>
+                              <p:par>
+                                <p:cTn id="23" presetID="12" presetClass="entr" presetSubtype="4" fill="hold" grpId="0" nodeType="clickEffect">
+                                  <p:stCondLst>
+                                    <p:cond delay="0"/>
+                                  </p:stCondLst>
+                                  <p:childTnLst>
+                                    <p:set>
+                                      <p:cBhvr>
+                                        <p:cTn id="24" dur="1" fill="hold">
+                                          <p:stCondLst>
+                                            <p:cond delay="0"/>
+                                          </p:stCondLst>
+                                        </p:cTn>
+                                        <p:tgtEl>
+                                          <p:spTgt spid="3">
+                                            <p:txEl>
+                                              <p:pRg st="2" end="2"/>
+                                            </p:txEl>
+                                          </p:spTgt>
+                                        </p:tgtEl>
+                                        <p:attrNameLst>
+                                          <p:attrName>style.visibility</p:attrName>
+                                        </p:attrNameLst>
+                                      </p:cBhvr>
+                                      <p:to>
+                                        <p:strVal val="visible"/>
+                                      </p:to>
+                                    </p:set>
+                                    <p:anim calcmode="lin" valueType="num">
+                                      <p:cBhvr additive="base">
+                                        <p:cTn id="25" dur="500"/>
+                                        <p:tgtEl>
+                                          <p:spTgt spid="3">
+                                            <p:txEl>
+                                              <p:pRg st="2" end="2"/>
+                                            </p:txEl>
+                                          </p:spTgt>
+                                        </p:tgtEl>
+                                        <p:attrNameLst>
+                                          <p:attrName>ppt_y</p:attrName>
+                                        </p:attrNameLst>
+                                      </p:cBhvr>
+                                      <p:tavLst>
+                                        <p:tav tm="0">
+                                          <p:val>
+                                            <p:strVal val="#ppt_y+#ppt_h*1.125000"/>
+                                          </p:val>
+                                        </p:tav>
+                                        <p:tav tm="100000">
+                                          <p:val>
+                                            <p:strVal val="#ppt_y"/>
+                                          </p:val>
+                                        </p:tav>
+                                      </p:tavLst>
+                                    </p:anim>
+                                    <p:animEffect transition="in" filter="wipe(up)">
+                                      <p:cBhvr>
+                                        <p:cTn id="26" dur="500"/>
+                                        <p:tgtEl>
+                                          <p:spTgt spid="3">
+                                            <p:txEl>
+                                              <p:pRg st="2" end="2"/>
+                                            </p:txEl>
+                                          </p:spTgt>
+                                        </p:tgtEl>
+                                      </p:cBhvr>
+                                    </p:animEffect>
+                                  </p:childTnLst>
+                                </p:cTn>
+                              </p:par>
+                              <p:par>
+                                <p:cTn id="27" presetID="64" presetClass="path" presetSubtype="0" decel="50000" fill="hold" grpId="1" nodeType="withEffect">
+                                  <p:stCondLst>
+                                    <p:cond delay="0"/>
+                                  </p:stCondLst>
+                                  <p:childTnLst>
+                                    <p:animMotion origin="layout" path="M -0.00052 0.06227 L -3.95833E-6 -2.96296E-6 " pathEditMode="relative" rAng="0" ptsTypes="AA">
+                                      <p:cBhvr>
+                                        <p:cTn id="28" dur="500" fill="hold"/>
+                                        <p:tgtEl>
+                                          <p:spTgt spid="3">
+                                            <p:txEl>
+                                              <p:pRg st="2" end="2"/>
+                                            </p:txEl>
+                                          </p:spTgt>
+                                        </p:tgtEl>
+                                        <p:attrNameLst>
+                                          <p:attrName>ppt_x</p:attrName>
+                                          <p:attrName>ppt_y</p:attrName>
+                                        </p:attrNameLst>
+                                      </p:cBhvr>
+                                      <p:rCtr x="26" y="-3125"/>
+                                    </p:animMotion>
+                                  </p:childTnLst>
+                                </p:cTn>
+                              </p:par>
+                            </p:childTnLst>
+                          </p:cTn>
+                        </p:par>
+                      </p:childTnLst>
+                    </p:cTn>
+                  </p:par>
+                  <p:par>
+                    <p:cTn id="29" fill="hold">
+                      <p:stCondLst>
+                        <p:cond delay="indefinite"/>
+                      </p:stCondLst>
+                      <p:childTnLst>
+                        <p:par>
+                          <p:cTn id="30" fill="hold">
+                            <p:stCondLst>
+                              <p:cond delay="0"/>
+                            </p:stCondLst>
+                            <p:childTnLst>
+                              <p:par>
+                                <p:cTn id="31" presetID="12" presetClass="entr" presetSubtype="4" fill="hold" grpId="0" nodeType="clickEffect">
+                                  <p:stCondLst>
+                                    <p:cond delay="0"/>
+                                  </p:stCondLst>
+                                  <p:childTnLst>
+                                    <p:set>
+                                      <p:cBhvr>
+                                        <p:cTn id="32" dur="1" fill="hold">
+                                          <p:stCondLst>
+                                            <p:cond delay="0"/>
+                                          </p:stCondLst>
+                                        </p:cTn>
+                                        <p:tgtEl>
+                                          <p:spTgt spid="3">
+                                            <p:txEl>
+                                              <p:pRg st="3" end="3"/>
+                                            </p:txEl>
+                                          </p:spTgt>
+                                        </p:tgtEl>
+                                        <p:attrNameLst>
+                                          <p:attrName>style.visibility</p:attrName>
+                                        </p:attrNameLst>
+                                      </p:cBhvr>
+                                      <p:to>
+                                        <p:strVal val="visible"/>
+                                      </p:to>
+                                    </p:set>
+                                    <p:anim calcmode="lin" valueType="num">
+                                      <p:cBhvr additive="base">
+                                        <p:cTn id="33" dur="500"/>
+                                        <p:tgtEl>
+                                          <p:spTgt spid="3">
+                                            <p:txEl>
+                                              <p:pRg st="3" end="3"/>
+                                            </p:txEl>
+                                          </p:spTgt>
+                                        </p:tgtEl>
+                                        <p:attrNameLst>
+                                          <p:attrName>ppt_y</p:attrName>
+                                        </p:attrNameLst>
+                                      </p:cBhvr>
+                                      <p:tavLst>
+                                        <p:tav tm="0">
+                                          <p:val>
+                                            <p:strVal val="#ppt_y+#ppt_h*1.125000"/>
+                                          </p:val>
+                                        </p:tav>
+                                        <p:tav tm="100000">
+                                          <p:val>
+                                            <p:strVal val="#ppt_y"/>
+                                          </p:val>
+                                        </p:tav>
+                                      </p:tavLst>
+                                    </p:anim>
+                                    <p:animEffect transition="in" filter="wipe(up)">
+                                      <p:cBhvr>
+                                        <p:cTn id="34" dur="500"/>
+                                        <p:tgtEl>
+                                          <p:spTgt spid="3">
+                                            <p:txEl>
+                                              <p:pRg st="3" end="3"/>
+                                            </p:txEl>
+                                          </p:spTgt>
+                                        </p:tgtEl>
+                                      </p:cBhvr>
+                                    </p:animEffect>
+                                  </p:childTnLst>
+                                </p:cTn>
+                              </p:par>
+                              <p:par>
+                                <p:cTn id="35" presetID="64" presetClass="path" presetSubtype="0" decel="50000" fill="hold" grpId="1" nodeType="withEffect">
+                                  <p:stCondLst>
+                                    <p:cond delay="0"/>
+                                  </p:stCondLst>
+                                  <p:childTnLst>
+                                    <p:animMotion origin="layout" path="M -0.00052 0.06227 L -3.95833E-6 -2.96296E-6 " pathEditMode="relative" rAng="0" ptsTypes="AA">
+                                      <p:cBhvr>
+                                        <p:cTn id="36" dur="500" fill="hold"/>
+                                        <p:tgtEl>
+                                          <p:spTgt spid="3">
+                                            <p:txEl>
+                                              <p:pRg st="3" end="3"/>
+                                            </p:txEl>
+                                          </p:spTgt>
+                                        </p:tgtEl>
+                                        <p:attrNameLst>
+                                          <p:attrName>ppt_x</p:attrName>
+                                          <p:attrName>ppt_y</p:attrName>
+                                        </p:attrNameLst>
+                                      </p:cBhvr>
+                                      <p:rCtr x="26" y="-3125"/>
+                                    </p:animMotion>
+                                  </p:childTnLst>
+                                </p:cTn>
+                              </p:par>
+                            </p:childTnLst>
+                          </p:cTn>
+                        </p:par>
+                      </p:childTnLst>
+                    </p:cTn>
+                  </p:par>
+                  <p:par>
+                    <p:cTn id="37" fill="hold">
+                      <p:stCondLst>
+                        <p:cond delay="indefinite"/>
+                      </p:stCondLst>
+                      <p:childTnLst>
+                        <p:par>
+                          <p:cTn id="38" fill="hold">
+                            <p:stCondLst>
+                              <p:cond delay="0"/>
+                            </p:stCondLst>
+                            <p:childTnLst>
+                              <p:par>
+                                <p:cTn id="39" presetID="12" presetClass="entr" presetSubtype="4" fill="hold" grpId="0" nodeType="clickEffect">
+                                  <p:stCondLst>
+                                    <p:cond delay="0"/>
+                                  </p:stCondLst>
+                                  <p:childTnLst>
+                                    <p:set>
+                                      <p:cBhvr>
+                                        <p:cTn id="40" dur="1" fill="hold">
+                                          <p:stCondLst>
+                                            <p:cond delay="0"/>
+                                          </p:stCondLst>
+                                        </p:cTn>
+                                        <p:tgtEl>
+                                          <p:spTgt spid="3">
+                                            <p:txEl>
+                                              <p:pRg st="4" end="4"/>
+                                            </p:txEl>
+                                          </p:spTgt>
+                                        </p:tgtEl>
+                                        <p:attrNameLst>
+                                          <p:attrName>style.visibility</p:attrName>
+                                        </p:attrNameLst>
+                                      </p:cBhvr>
+                                      <p:to>
+                                        <p:strVal val="visible"/>
+                                      </p:to>
+                                    </p:set>
+                                    <p:anim calcmode="lin" valueType="num">
+                                      <p:cBhvr additive="base">
+                                        <p:cTn id="41" dur="500"/>
+                                        <p:tgtEl>
+                                          <p:spTgt spid="3">
+                                            <p:txEl>
+                                              <p:pRg st="4" end="4"/>
+                                            </p:txEl>
+                                          </p:spTgt>
+                                        </p:tgtEl>
+                                        <p:attrNameLst>
+                                          <p:attrName>ppt_y</p:attrName>
+                                        </p:attrNameLst>
+                                      </p:cBhvr>
+                                      <p:tavLst>
+                                        <p:tav tm="0">
+                                          <p:val>
+                                            <p:strVal val="#ppt_y+#ppt_h*1.125000"/>
+                                          </p:val>
+                                        </p:tav>
+                                        <p:tav tm="100000">
+                                          <p:val>
+                                            <p:strVal val="#ppt_y"/>
+                                          </p:val>
+                                        </p:tav>
+                                      </p:tavLst>
+                                    </p:anim>
+                                    <p:animEffect transition="in" filter="wipe(up)">
+                                      <p:cBhvr>
+                                        <p:cTn id="42" dur="500"/>
+                                        <p:tgtEl>
+                                          <p:spTgt spid="3">
+                                            <p:txEl>
+                                              <p:pRg st="4" end="4"/>
+                                            </p:txEl>
+                                          </p:spTgt>
+                                        </p:tgtEl>
+                                      </p:cBhvr>
+                                    </p:animEffect>
+                                  </p:childTnLst>
+                                </p:cTn>
+                              </p:par>
+                              <p:par>
+                                <p:cTn id="43" presetID="64" presetClass="path" presetSubtype="0" decel="50000" fill="hold" grpId="1" nodeType="withEffect">
+                                  <p:stCondLst>
+                                    <p:cond delay="0"/>
+                                  </p:stCondLst>
+                                  <p:childTnLst>
+                                    <p:animMotion origin="layout" path="M -0.00052 0.06227 L -2.08333E-7 -3.7037E-7 " pathEditMode="relative" rAng="0" ptsTypes="AA">
+                                      <p:cBhvr>
+                                        <p:cTn id="44" dur="500" fill="hold"/>
+                                        <p:tgtEl>
+                                          <p:spTgt spid="3">
+                                            <p:txEl>
+                                              <p:pRg st="4" end="4"/>
+                                            </p:txEl>
+                                          </p:spTgt>
+                                        </p:tgtEl>
+                                        <p:attrNameLst>
+                                          <p:attrName>ppt_x</p:attrName>
+                                          <p:attrName>ppt_y</p:attrName>
+                                        </p:attrNameLst>
+                                      </p:cBhvr>
+                                      <p:rCtr x="26" y="-3125"/>
+                                    </p:animMotion>
+                                  </p:childTnLst>
+                                </p:cTn>
+                              </p:par>
+                            </p:childTnLst>
+                          </p:cTn>
+                        </p:par>
+                      </p:childTnLst>
+                    </p:cTn>
+                  </p:par>
+                </p:childTnLst>
+              </p:cTn>
+              <p:prevCondLst>
+                <p:cond evt="onPrev" delay="0">
+                  <p:tgtEl>
+                    <p:sldTgt/>
+                  </p:tgtEl>
+                </p:cond>
+              </p:prevCondLst>
+              <p:nextCondLst>
+                <p:cond evt="onNext" delay="0">
+                  <p:tgtEl>
+                    <p:sldTgt/>
+                  </p:tgtEl>
+                </p:cond>
+              </p:nextCondLst>
+            </p:seq>
+          </p:childTnLst>
+        </p:cTn>
+      </p:par>
+    </p:tnLst>
+    <p:bldLst>
+      <p:bldP spid="2" grpId="0"/>
+      <p:bldP spid="3" grpId="0" uiExpand="1" build="p"/>
+      <p:bldP spid="3" grpId="1" uiExpand="1" build="p"/>
+    </p:bldLst>
+  </p:timing>
+</p:sld>
+</file>
+
+<file path=ppt/slides/slide6.xml><?xml version="1.0" encoding="utf-8"?>
+<p:sld xmlns:a="http://schemas.openxmlformats.org/drawingml/2006/main" xmlns:r="http://schemas.openxmlformats.org/officeDocument/2006/relationships" xmlns:p="http://schemas.openxmlformats.org/presentationml/2006/main" showMasterPhAnim="0">
+  <p:cSld>
+    <p:spTree>
+      <p:nvGrpSpPr>
+        <p:cNvPr id="1" name=""/>
+        <p:cNvGrpSpPr/>
+        <p:nvPr/>
+      </p:nvGrpSpPr>
+      <p:grpSpPr>
+        <a:xfrm>
+          <a:off x="0" y="0"/>
+          <a:ext cx="0" cy="0"/>
+          <a:chOff x="0" y="0"/>
+          <a:chExt cx="0" cy="0"/>
+        </a:xfrm>
+      </p:grpSpPr>
+      <p:sp>
+        <p:nvSpPr>
+          <p:cNvPr id="2" name="Titel 1">
+            <a:extLst>
+              <a:ext uri="{FF2B5EF4-FFF2-40B4-BE49-F238E27FC236}">
+                <a16:creationId xmlns:a16="http://schemas.microsoft.com/office/drawing/2014/main" id="{881DACBE-238F-18EC-5DE6-63EC0FE231D3}"/>
+              </a:ext>
+            </a:extLst>
+          </p:cNvPr>
+          <p:cNvSpPr>
+            <a:spLocks noGrp="1"/>
+          </p:cNvSpPr>
+          <p:nvPr>
+            <p:ph type="title"/>
+          </p:nvPr>
+        </p:nvSpPr>
+        <p:spPr/>
+        <p:txBody>
+          <a:bodyPr/>
+          <a:lstStyle/>
+          <a:p>
+            <a:r>
+              <a:rPr lang="nl-NL" dirty="0" err="1"/>
+              <a:t>Simply-typed</a:t>
+            </a:r>
+            <a:r>
+              <a:rPr lang="nl-NL" dirty="0"/>
+              <a:t> </a:t>
+            </a:r>
+            <a:r>
+              <a:rPr lang="el-GR" dirty="0"/>
+              <a:t>Λ</a:t>
+            </a:r>
+            <a:r>
+              <a:rPr lang="nl-NL" dirty="0"/>
+              <a:t>-calculus</a:t>
+            </a:r>
+          </a:p>
+        </p:txBody>
+      </p:sp>
+      <mc:AlternateContent xmlns:mc="http://schemas.openxmlformats.org/markup-compatibility/2006">
+        <mc:Choice xmlns:a14="http://schemas.microsoft.com/office/drawing/2010/main" Requires="a14">
+          <p:sp>
+            <p:nvSpPr>
+              <p:cNvPr id="3" name="Tijdelijke aanduiding voor tekst 2">
+                <a:extLst>
+                  <a:ext uri="{FF2B5EF4-FFF2-40B4-BE49-F238E27FC236}">
+                    <a16:creationId xmlns:a16="http://schemas.microsoft.com/office/drawing/2014/main" id="{C845AC3E-8018-D76C-35BB-B62ADB55C149}"/>
+                  </a:ext>
+                </a:extLst>
+              </p:cNvPr>
+              <p:cNvSpPr>
+                <a:spLocks noGrp="1"/>
+              </p:cNvSpPr>
+              <p:nvPr>
+                <p:ph type="body" sz="quarter" idx="11"/>
+              </p:nvPr>
+            </p:nvSpPr>
+            <p:spPr>
+              <a:xfrm>
+                <a:off x="2520000" y="2970000"/>
+                <a:ext cx="8280000" cy="2186462"/>
+              </a:xfrm>
+            </p:spPr>
+            <p:txBody>
+              <a:bodyPr/>
+              <a:lstStyle/>
+              <a:p>
+                <a:r>
+                  <a:rPr lang="nl-NL" dirty="0"/>
+                  <a:t>Every term </a:t>
+                </a:r>
+                <a:r>
+                  <a:rPr lang="nl-NL" dirty="0" err="1"/>
+                  <a:t>carries</a:t>
+                </a:r>
+                <a:r>
+                  <a:rPr lang="nl-NL" dirty="0"/>
+                  <a:t> a type </a:t>
+                </a:r>
+                <a14:m>
+                  <m:oMath xmlns:m="http://schemas.openxmlformats.org/officeDocument/2006/math">
+                    <m:r>
+                      <a:rPr lang="nl-NL" b="0" i="1" smtClean="0">
+                        <a:latin typeface="Cambria Math" panose="02040503050406030204" pitchFamily="18" charset="0"/>
+                      </a:rPr>
+                      <m:t>𝑥</m:t>
+                    </m:r>
+                    <m:r>
+                      <a:rPr lang="nl-NL" b="0" i="1" smtClean="0">
+                        <a:latin typeface="Cambria Math" panose="02040503050406030204" pitchFamily="18" charset="0"/>
+                      </a:rPr>
+                      <m:t> :</m:t>
+                    </m:r>
+                    <m:r>
+                      <a:rPr lang="nl-NL" b="0" i="1" smtClean="0">
+                        <a:latin typeface="Cambria Math" panose="02040503050406030204" pitchFamily="18" charset="0"/>
+                      </a:rPr>
+                      <m:t>𝜎</m:t>
+                    </m:r>
+                    <m:r>
+                      <a:rPr lang="nl-NL" b="0" i="1" smtClean="0">
+                        <a:latin typeface="Cambria Math" panose="02040503050406030204" pitchFamily="18" charset="0"/>
+                      </a:rPr>
+                      <m:t>,   </m:t>
+                    </m:r>
+                    <m:d>
+                      <m:dPr>
+                        <m:ctrlPr>
+                          <a:rPr lang="nl-NL" b="0" i="1" smtClean="0">
+                            <a:latin typeface="Cambria Math" panose="02040503050406030204" pitchFamily="18" charset="0"/>
+                          </a:rPr>
+                        </m:ctrlPr>
+                      </m:dPr>
+                      <m:e>
+                        <m:r>
+                          <a:rPr lang="nl-NL" b="0" i="1" smtClean="0">
+                            <a:latin typeface="Cambria Math" panose="02040503050406030204" pitchFamily="18" charset="0"/>
+                          </a:rPr>
+                          <m:t>𝜆</m:t>
+                        </m:r>
+                        <m:r>
+                          <a:rPr lang="nl-NL" b="0" i="1" smtClean="0">
+                            <a:latin typeface="Cambria Math" panose="02040503050406030204" pitchFamily="18" charset="0"/>
+                          </a:rPr>
+                          <m:t>𝑥</m:t>
+                        </m:r>
+                        <m:r>
+                          <a:rPr lang="nl-NL" b="0" i="1" smtClean="0">
+                            <a:latin typeface="Cambria Math" panose="02040503050406030204" pitchFamily="18" charset="0"/>
+                          </a:rPr>
+                          <m:t> :</m:t>
+                        </m:r>
+                        <m:r>
+                          <a:rPr lang="nl-NL" b="0" i="1" smtClean="0">
+                            <a:latin typeface="Cambria Math" panose="02040503050406030204" pitchFamily="18" charset="0"/>
+                          </a:rPr>
+                          <m:t>𝜎</m:t>
+                        </m:r>
+                        <m:r>
+                          <a:rPr lang="nl-NL" b="0" i="1" smtClean="0">
+                            <a:latin typeface="Cambria Math" panose="02040503050406030204" pitchFamily="18" charset="0"/>
+                          </a:rPr>
+                          <m:t>.</m:t>
+                        </m:r>
+                        <m:r>
+                          <a:rPr lang="nl-NL" b="0" i="1" smtClean="0">
+                            <a:latin typeface="Cambria Math" panose="02040503050406030204" pitchFamily="18" charset="0"/>
+                          </a:rPr>
+                          <m:t>𝑥</m:t>
+                        </m:r>
+                      </m:e>
+                    </m:d>
+                    <m:r>
+                      <a:rPr lang="nl-NL" b="0" i="1" smtClean="0">
+                        <a:latin typeface="Cambria Math" panose="02040503050406030204" pitchFamily="18" charset="0"/>
+                      </a:rPr>
+                      <m:t> :</m:t>
+                    </m:r>
+                    <m:r>
+                      <a:rPr lang="nl-NL" b="0" i="1" smtClean="0">
+                        <a:latin typeface="Cambria Math" panose="02040503050406030204" pitchFamily="18" charset="0"/>
+                      </a:rPr>
+                      <m:t>𝜎</m:t>
+                    </m:r>
+                    <m:r>
+                      <a:rPr lang="nl-NL" b="0" i="1" smtClean="0">
+                        <a:latin typeface="Cambria Math" panose="02040503050406030204" pitchFamily="18" charset="0"/>
+                      </a:rPr>
+                      <m:t>→</m:t>
+                    </m:r>
+                    <m:r>
+                      <a:rPr lang="nl-NL" b="0" i="1" smtClean="0">
+                        <a:latin typeface="Cambria Math" panose="02040503050406030204" pitchFamily="18" charset="0"/>
+                      </a:rPr>
+                      <m:t>𝜎</m:t>
+                    </m:r>
+                  </m:oMath>
+                </a14:m>
+                <a:endParaRPr lang="nl-NL" b="0" dirty="0"/>
+              </a:p>
+              <a:p>
+                <a:r>
+                  <a:rPr lang="nl-NL" dirty="0"/>
+                  <a:t>Now we need to check types </a:t>
+                </a:r>
+                <a:r>
+                  <a:rPr lang="nl-NL" dirty="0" err="1"/>
+                  <a:t>for</a:t>
+                </a:r>
+                <a:r>
+                  <a:rPr lang="nl-NL" dirty="0"/>
+                  <a:t> </a:t>
+                </a:r>
+                <a:r>
+                  <a:rPr lang="el-GR" dirty="0"/>
+                  <a:t>β-</a:t>
+                </a:r>
+                <a:r>
+                  <a:rPr lang="nl-NL" dirty="0" err="1"/>
+                  <a:t>reduction</a:t>
+                </a:r>
+                <a:r>
+                  <a:rPr lang="nl-NL" dirty="0"/>
+                  <a:t>!</a:t>
+                </a:r>
+              </a:p>
+              <a:p>
+                <a14:m>
+                  <m:oMath xmlns:m="http://schemas.openxmlformats.org/officeDocument/2006/math">
+                    <m:d>
+                      <m:dPr>
+                        <m:ctrlPr>
+                          <a:rPr lang="nl-NL" b="0" i="1" smtClean="0">
+                            <a:latin typeface="Cambria Math" panose="02040503050406030204" pitchFamily="18" charset="0"/>
+                          </a:rPr>
+                        </m:ctrlPr>
+                      </m:dPr>
+                      <m:e>
+                        <m:r>
+                          <a:rPr lang="nl-NL" b="0" i="1" smtClean="0">
+                            <a:latin typeface="Cambria Math" panose="02040503050406030204" pitchFamily="18" charset="0"/>
+                          </a:rPr>
+                          <m:t>𝜆</m:t>
+                        </m:r>
+                        <m:r>
+                          <a:rPr lang="nl-NL" b="0" i="1" smtClean="0">
+                            <a:latin typeface="Cambria Math" panose="02040503050406030204" pitchFamily="18" charset="0"/>
+                          </a:rPr>
+                          <m:t>𝑥</m:t>
+                        </m:r>
+                        <m:r>
+                          <a:rPr lang="nl-NL" b="0" i="1" smtClean="0">
+                            <a:latin typeface="Cambria Math" panose="02040503050406030204" pitchFamily="18" charset="0"/>
+                          </a:rPr>
+                          <m:t> :</m:t>
+                        </m:r>
+                        <m:r>
+                          <a:rPr lang="nl-NL" b="0" i="1" smtClean="0">
+                            <a:latin typeface="Cambria Math" panose="02040503050406030204" pitchFamily="18" charset="0"/>
+                          </a:rPr>
+                          <m:t>𝜎</m:t>
+                        </m:r>
+                        <m:r>
+                          <a:rPr lang="nl-NL" b="0" i="1" smtClean="0">
+                            <a:latin typeface="Cambria Math" panose="02040503050406030204" pitchFamily="18" charset="0"/>
+                          </a:rPr>
+                          <m:t>.</m:t>
+                        </m:r>
+                        <m:r>
+                          <a:rPr lang="nl-NL" b="0" i="1" smtClean="0">
+                            <a:latin typeface="Cambria Math" panose="02040503050406030204" pitchFamily="18" charset="0"/>
+                          </a:rPr>
+                          <m:t>𝑀</m:t>
+                        </m:r>
+                      </m:e>
+                    </m:d>
+                    <m:r>
+                      <a:rPr lang="nl-NL" b="0" i="1" smtClean="0">
+                        <a:latin typeface="Cambria Math" panose="02040503050406030204" pitchFamily="18" charset="0"/>
+                      </a:rPr>
+                      <m:t>𝑦</m:t>
+                    </m:r>
+                  </m:oMath>
+                </a14:m>
+                <a:r>
+                  <a:rPr lang="nl-NL" dirty="0"/>
+                  <a:t> only </a:t>
+                </a:r>
+                <a:r>
+                  <a:rPr lang="nl-NL" dirty="0" err="1"/>
+                  <a:t>allowed</a:t>
+                </a:r>
+                <a:r>
+                  <a:rPr lang="nl-NL" dirty="0"/>
+                  <a:t> </a:t>
+                </a:r>
+                <a:r>
+                  <a:rPr lang="nl-NL" dirty="0" err="1"/>
+                  <a:t>when</a:t>
+                </a:r>
+                <a:r>
+                  <a:rPr lang="nl-NL" dirty="0"/>
+                  <a:t> </a:t>
+                </a:r>
+                <a14:m>
+                  <m:oMath xmlns:m="http://schemas.openxmlformats.org/officeDocument/2006/math">
+                    <m:r>
+                      <a:rPr lang="nl-NL" b="0" i="1" smtClean="0">
+                        <a:latin typeface="Cambria Math" panose="02040503050406030204" pitchFamily="18" charset="0"/>
+                      </a:rPr>
+                      <m:t>𝑦</m:t>
+                    </m:r>
+                    <m:r>
+                      <a:rPr lang="nl-NL" b="0" i="1" smtClean="0">
+                        <a:latin typeface="Cambria Math" panose="02040503050406030204" pitchFamily="18" charset="0"/>
+                      </a:rPr>
+                      <m:t> :</m:t>
+                    </m:r>
+                    <m:r>
+                      <a:rPr lang="nl-NL" b="0" i="1" smtClean="0">
+                        <a:latin typeface="Cambria Math" panose="02040503050406030204" pitchFamily="18" charset="0"/>
+                      </a:rPr>
+                      <m:t>𝜎</m:t>
+                    </m:r>
+                  </m:oMath>
+                </a14:m>
+                <a:r>
+                  <a:rPr lang="nl-NL" dirty="0"/>
+                  <a:t>, then </a:t>
+                </a:r>
+                <a14:m>
+                  <m:oMath xmlns:m="http://schemas.openxmlformats.org/officeDocument/2006/math">
+                    <m:r>
+                      <a:rPr lang="nl-NL" b="0" i="1" smtClean="0">
+                        <a:latin typeface="Cambria Math" panose="02040503050406030204" pitchFamily="18" charset="0"/>
+                      </a:rPr>
+                      <m:t>𝑀</m:t>
+                    </m:r>
+                    <m:d>
+                      <m:dPr>
+                        <m:begChr m:val="["/>
+                        <m:endChr m:val="]"/>
+                        <m:ctrlPr>
+                          <a:rPr lang="nl-NL" b="0" i="1" smtClean="0">
+                            <a:latin typeface="Cambria Math" panose="02040503050406030204" pitchFamily="18" charset="0"/>
+                          </a:rPr>
+                        </m:ctrlPr>
+                      </m:dPr>
+                      <m:e>
+                        <m:r>
+                          <a:rPr lang="nl-NL" b="0" i="1" smtClean="0">
+                            <a:latin typeface="Cambria Math" panose="02040503050406030204" pitchFamily="18" charset="0"/>
+                          </a:rPr>
+                          <m:t>𝑥</m:t>
+                        </m:r>
+                        <m:r>
+                          <a:rPr lang="nl-NL" b="0" i="1" smtClean="0">
+                            <a:latin typeface="Cambria Math" panose="02040503050406030204" pitchFamily="18" charset="0"/>
+                          </a:rPr>
+                          <m:t>≔</m:t>
+                        </m:r>
+                        <m:r>
+                          <a:rPr lang="nl-NL" b="0" i="1" smtClean="0">
+                            <a:latin typeface="Cambria Math" panose="02040503050406030204" pitchFamily="18" charset="0"/>
+                          </a:rPr>
+                          <m:t>𝑦</m:t>
+                        </m:r>
+                      </m:e>
+                    </m:d>
+                    <m:r>
+                      <a:rPr lang="nl-NL" b="0" i="1" smtClean="0">
+                        <a:latin typeface="Cambria Math" panose="02040503050406030204" pitchFamily="18" charset="0"/>
+                      </a:rPr>
+                      <m:t> :</m:t>
+                    </m:r>
+                    <m:r>
+                      <a:rPr lang="nl-NL" b="0" i="1" smtClean="0">
+                        <a:latin typeface="Cambria Math" panose="02040503050406030204" pitchFamily="18" charset="0"/>
+                      </a:rPr>
+                      <m:t>𝜏</m:t>
+                    </m:r>
+                  </m:oMath>
+                </a14:m>
+                <a:endParaRPr lang="nl-NL" dirty="0"/>
+              </a:p>
+              <a:p>
+                <a:r>
+                  <a:rPr lang="nl-NL" dirty="0"/>
+                  <a:t>Things like </a:t>
+                </a:r>
+                <a14:m>
+                  <m:oMath xmlns:m="http://schemas.openxmlformats.org/officeDocument/2006/math">
+                    <m:r>
+                      <a:rPr lang="nl-NL" b="0" i="1" smtClean="0">
+                        <a:latin typeface="Cambria Math" panose="02040503050406030204" pitchFamily="18" charset="0"/>
+                      </a:rPr>
+                      <m:t>𝜆</m:t>
+                    </m:r>
+                    <m:r>
+                      <a:rPr lang="nl-NL" b="0" i="1" smtClean="0">
+                        <a:latin typeface="Cambria Math" panose="02040503050406030204" pitchFamily="18" charset="0"/>
+                      </a:rPr>
+                      <m:t>𝑥</m:t>
+                    </m:r>
+                    <m:r>
+                      <a:rPr lang="nl-NL" b="0" i="1" smtClean="0">
+                        <a:latin typeface="Cambria Math" panose="02040503050406030204" pitchFamily="18" charset="0"/>
+                      </a:rPr>
+                      <m:t>.</m:t>
+                    </m:r>
+                    <m:r>
+                      <a:rPr lang="nl-NL" b="0" i="1" smtClean="0">
+                        <a:latin typeface="Cambria Math" panose="02040503050406030204" pitchFamily="18" charset="0"/>
+                      </a:rPr>
+                      <m:t>𝑥𝑥</m:t>
+                    </m:r>
+                  </m:oMath>
+                </a14:m>
+                <a:r>
+                  <a:rPr lang="nl-NL" dirty="0"/>
+                  <a:t> no longer </a:t>
+                </a:r>
+                <a:r>
+                  <a:rPr lang="nl-NL" dirty="0" err="1"/>
+                  <a:t>allowed</a:t>
+                </a:r>
+                <a:endParaRPr lang="nl-NL" dirty="0"/>
+              </a:p>
+            </p:txBody>
+          </p:sp>
+        </mc:Choice>
+        <mc:Fallback>
+          <p:sp>
+            <p:nvSpPr>
+              <p:cNvPr id="3" name="Tijdelijke aanduiding voor tekst 2">
+                <a:extLst>
+                  <a:ext uri="{FF2B5EF4-FFF2-40B4-BE49-F238E27FC236}">
+                    <a16:creationId xmlns:a16="http://schemas.microsoft.com/office/drawing/2014/main" id="{C845AC3E-8018-D76C-35BB-B62ADB55C149}"/>
+                  </a:ext>
+                </a:extLst>
+              </p:cNvPr>
+              <p:cNvSpPr>
+                <a:spLocks noGrp="1" noRot="1" noChangeAspect="1" noMove="1" noResize="1" noEditPoints="1" noAdjustHandles="1" noChangeArrowheads="1" noChangeShapeType="1" noTextEdit="1"/>
+              </p:cNvSpPr>
+              <p:nvPr>
+                <p:ph type="body" sz="quarter" idx="11"/>
+              </p:nvPr>
+            </p:nvSpPr>
+            <p:spPr>
+              <a:xfrm>
+                <a:off x="2520000" y="2970000"/>
+                <a:ext cx="8280000" cy="2186462"/>
+              </a:xfrm>
+              <a:blipFill>
+                <a:blip r:embed="rId2"/>
+                <a:stretch>
+                  <a:fillRect t="-1671"/>
+                </a:stretch>
+              </a:blipFill>
+            </p:spPr>
+            <p:txBody>
+              <a:bodyPr/>
+              <a:lstStyle/>
+              <a:p>
+                <a:r>
+                  <a:rPr lang="nl-NL">
+                    <a:noFill/>
+                  </a:rPr>
+                  <a:t> </a:t>
+                </a:r>
+              </a:p>
+            </p:txBody>
+          </p:sp>
+        </mc:Fallback>
+      </mc:AlternateContent>
+    </p:spTree>
+    <p:extLst>
+      <p:ext uri="{BB962C8B-B14F-4D97-AF65-F5344CB8AC3E}">
+        <p14:creationId xmlns:p14="http://schemas.microsoft.com/office/powerpoint/2010/main" val="2267217926"/>
+      </p:ext>
+    </p:extLst>
+  </p:cSld>
+  <p:clrMapOvr>
+    <a:masterClrMapping/>
+  </p:clrMapOvr>
+  <mc:AlternateContent xmlns:mc="http://schemas.openxmlformats.org/markup-compatibility/2006" xmlns:p14="http://schemas.microsoft.com/office/powerpoint/2010/main">
+    <mc:Choice Requires="p14">
+      <p:transition spd="slow" p14:dur="800">
+        <p14:flythrough dir="out"/>
+      </p:transition>
+    </mc:Choice>
+    <mc:Fallback xmlns="">
+      <p:transition spd="slow">
+        <p:fade/>
+      </p:transition>
+    </mc:Fallback>
+  </mc:AlternateContent>
+  <p:timing>
+    <p:tnLst>
+      <p:par>
+        <p:cTn id="1" dur="indefinite" restart="never" nodeType="tmRoot">
+          <p:childTnLst>
+            <p:seq concurrent="1" nextAc="seek">
+              <p:cTn id="2" dur="indefinite" nodeType="mainSeq">
+                <p:childTnLst>
+                  <p:par>
+                    <p:cTn id="3" fill="hold">
+                      <p:stCondLst>
+                        <p:cond delay="indefinite"/>
+                      </p:stCondLst>
+                      <p:childTnLst>
+                        <p:par>
+                          <p:cTn id="4" fill="hold">
+                            <p:stCondLst>
+                              <p:cond delay="0"/>
+                            </p:stCondLst>
+                            <p:childTnLst>
+                              <p:par>
+                                <p:cTn id="5" presetID="64" presetClass="path" presetSubtype="0" decel="50000" fill="hold" grpId="0" nodeType="clickEffect">
+                                  <p:stCondLst>
+                                    <p:cond delay="0"/>
+                                  </p:stCondLst>
+                                  <p:childTnLst>
+                                    <p:animMotion origin="layout" path="M -3.95833E-6 -7.40741E-7 L -0.00052 -0.14167 " pathEditMode="relative" rAng="0" ptsTypes="AA">
+                                      <p:cBhvr>
+                                        <p:cTn id="6" dur="500" fill="hold"/>
+                                        <p:tgtEl>
+                                          <p:spTgt spid="2"/>
+                                        </p:tgtEl>
+                                        <p:attrNameLst>
+                                          <p:attrName>ppt_x</p:attrName>
+                                          <p:attrName>ppt_y</p:attrName>
+                                        </p:attrNameLst>
+                                      </p:cBhvr>
+                                      <p:rCtr x="-26" y="-7083"/>
+                                    </p:animMotion>
+                                  </p:childTnLst>
+                                </p:cTn>
+                              </p:par>
+                              <p:par>
+                                <p:cTn id="7" presetID="12" presetClass="entr" presetSubtype="4" fill="hold" grpId="0" nodeType="withEffect">
+                                  <p:stCondLst>
+                                    <p:cond delay="0"/>
+                                  </p:stCondLst>
+                                  <p:childTnLst>
+                                    <p:set>
+                                      <p:cBhvr>
+                                        <p:cTn id="8" dur="1" fill="hold">
+                                          <p:stCondLst>
+                                            <p:cond delay="0"/>
+                                          </p:stCondLst>
+                                        </p:cTn>
+                                        <p:tgtEl>
+                                          <p:spTgt spid="3">
+                                            <p:txEl>
+                                              <p:pRg st="0" end="0"/>
+                                            </p:txEl>
+                                          </p:spTgt>
+                                        </p:tgtEl>
+                                        <p:attrNameLst>
+                                          <p:attrName>style.visibility</p:attrName>
+                                        </p:attrNameLst>
+                                      </p:cBhvr>
+                                      <p:to>
+                                        <p:strVal val="visible"/>
+                                      </p:to>
+                                    </p:set>
+                                    <p:anim calcmode="lin" valueType="num">
+                                      <p:cBhvr additive="base">
+                                        <p:cTn id="9" dur="500"/>
+                                        <p:tgtEl>
+                                          <p:spTgt spid="3">
+                                            <p:txEl>
+                                              <p:pRg st="0" end="0"/>
+                                            </p:txEl>
+                                          </p:spTgt>
+                                        </p:tgtEl>
+                                        <p:attrNameLst>
+                                          <p:attrName>ppt_y</p:attrName>
+                                        </p:attrNameLst>
+                                      </p:cBhvr>
+                                      <p:tavLst>
+                                        <p:tav tm="0">
+                                          <p:val>
+                                            <p:strVal val="#ppt_y+#ppt_h*1.125000"/>
+                                          </p:val>
+                                        </p:tav>
+                                        <p:tav tm="100000">
+                                          <p:val>
+                                            <p:strVal val="#ppt_y"/>
+                                          </p:val>
+                                        </p:tav>
+                                      </p:tavLst>
+                                    </p:anim>
+                                    <p:animEffect transition="in" filter="wipe(up)">
+                                      <p:cBhvr>
+                                        <p:cTn id="10" dur="500"/>
+                                        <p:tgtEl>
+                                          <p:spTgt spid="3">
+                                            <p:txEl>
+                                              <p:pRg st="0" end="0"/>
+                                            </p:txEl>
+                                          </p:spTgt>
+                                        </p:tgtEl>
+                                      </p:cBhvr>
+                                    </p:animEffect>
+                                  </p:childTnLst>
+                                </p:cTn>
+                              </p:par>
+                              <p:par>
+                                <p:cTn id="11" presetID="64" presetClass="path" presetSubtype="0" decel="50000" fill="hold" grpId="1" nodeType="withEffect">
+                                  <p:stCondLst>
+                                    <p:cond delay="0"/>
+                                  </p:stCondLst>
+                                  <p:childTnLst>
+                                    <p:animMotion origin="layout" path="M -0.00052 0.06227 L -3.95833E-6 -2.96296E-6 " pathEditMode="relative" rAng="0" ptsTypes="AA">
+                                      <p:cBhvr>
+                                        <p:cTn id="12" dur="500" fill="hold"/>
+                                        <p:tgtEl>
+                                          <p:spTgt spid="3">
+                                            <p:txEl>
+                                              <p:pRg st="0" end="0"/>
+                                            </p:txEl>
+                                          </p:spTgt>
+                                        </p:tgtEl>
+                                        <p:attrNameLst>
+                                          <p:attrName>ppt_x</p:attrName>
+                                          <p:attrName>ppt_y</p:attrName>
+                                        </p:attrNameLst>
+                                      </p:cBhvr>
+                                      <p:rCtr x="26" y="-3125"/>
+                                    </p:animMotion>
+                                  </p:childTnLst>
+                                </p:cTn>
+                              </p:par>
+                            </p:childTnLst>
+                          </p:cTn>
+                        </p:par>
+                      </p:childTnLst>
+                    </p:cTn>
+                  </p:par>
+                  <p:par>
+                    <p:cTn id="13" fill="hold">
+                      <p:stCondLst>
+                        <p:cond delay="indefinite"/>
+                      </p:stCondLst>
+                      <p:childTnLst>
+                        <p:par>
+                          <p:cTn id="14" fill="hold">
+                            <p:stCondLst>
+                              <p:cond delay="0"/>
+                            </p:stCondLst>
+                            <p:childTnLst>
+                              <p:par>
+                                <p:cTn id="15" presetID="12" presetClass="entr" presetSubtype="4" fill="hold" grpId="0" nodeType="clickEffect">
+                                  <p:stCondLst>
+                                    <p:cond delay="0"/>
+                                  </p:stCondLst>
+                                  <p:childTnLst>
+                                    <p:set>
+                                      <p:cBhvr>
+                                        <p:cTn id="16" dur="1" fill="hold">
+                                          <p:stCondLst>
+                                            <p:cond delay="0"/>
+                                          </p:stCondLst>
+                                        </p:cTn>
+                                        <p:tgtEl>
+                                          <p:spTgt spid="3">
+                                            <p:txEl>
+                                              <p:pRg st="1" end="1"/>
+                                            </p:txEl>
+                                          </p:spTgt>
+                                        </p:tgtEl>
+                                        <p:attrNameLst>
+                                          <p:attrName>style.visibility</p:attrName>
+                                        </p:attrNameLst>
+                                      </p:cBhvr>
+                                      <p:to>
+                                        <p:strVal val="visible"/>
+                                      </p:to>
+                                    </p:set>
+                                    <p:anim calcmode="lin" valueType="num">
+                                      <p:cBhvr additive="base">
+                                        <p:cTn id="17" dur="500"/>
+                                        <p:tgtEl>
+                                          <p:spTgt spid="3">
+                                            <p:txEl>
+                                              <p:pRg st="1" end="1"/>
+                                            </p:txEl>
+                                          </p:spTgt>
+                                        </p:tgtEl>
+                                        <p:attrNameLst>
+                                          <p:attrName>ppt_y</p:attrName>
+                                        </p:attrNameLst>
+                                      </p:cBhvr>
+                                      <p:tavLst>
+                                        <p:tav tm="0">
+                                          <p:val>
+                                            <p:strVal val="#ppt_y+#ppt_h*1.125000"/>
+                                          </p:val>
+                                        </p:tav>
+                                        <p:tav tm="100000">
+                                          <p:val>
+                                            <p:strVal val="#ppt_y"/>
+                                          </p:val>
+                                        </p:tav>
+                                      </p:tavLst>
+                                    </p:anim>
+                                    <p:animEffect transition="in" filter="wipe(up)">
+                                      <p:cBhvr>
+                                        <p:cTn id="18" dur="500"/>
+                                        <p:tgtEl>
+                                          <p:spTgt spid="3">
+                                            <p:txEl>
+                                              <p:pRg st="1" end="1"/>
+                                            </p:txEl>
+                                          </p:spTgt>
+                                        </p:tgtEl>
+                                      </p:cBhvr>
+                                    </p:animEffect>
+                                  </p:childTnLst>
+                                </p:cTn>
+                              </p:par>
+                              <p:par>
+                                <p:cTn id="19" presetID="64" presetClass="path" presetSubtype="0" decel="50000" fill="hold" grpId="1" nodeType="withEffect">
+                                  <p:stCondLst>
+                                    <p:cond delay="0"/>
+                                  </p:stCondLst>
+                                  <p:childTnLst>
+                                    <p:animMotion origin="layout" path="M -0.00052 0.06227 L -3.95833E-6 -2.96296E-6 " pathEditMode="relative" rAng="0" ptsTypes="AA">
+                                      <p:cBhvr>
+                                        <p:cTn id="20" dur="500" fill="hold"/>
+                                        <p:tgtEl>
+                                          <p:spTgt spid="3">
+                                            <p:txEl>
+                                              <p:pRg st="1" end="1"/>
+                                            </p:txEl>
+                                          </p:spTgt>
+                                        </p:tgtEl>
+                                        <p:attrNameLst>
+                                          <p:attrName>ppt_x</p:attrName>
+                                          <p:attrName>ppt_y</p:attrName>
+                                        </p:attrNameLst>
+                                      </p:cBhvr>
+                                      <p:rCtr x="26" y="-3125"/>
+                                    </p:animMotion>
+                                  </p:childTnLst>
+                                </p:cTn>
+                              </p:par>
+                            </p:childTnLst>
+                          </p:cTn>
+                        </p:par>
+                      </p:childTnLst>
+                    </p:cTn>
+                  </p:par>
+                  <p:par>
+                    <p:cTn id="21" fill="hold">
+                      <p:stCondLst>
+                        <p:cond delay="indefinite"/>
+                      </p:stCondLst>
+                      <p:childTnLst>
+                        <p:par>
+                          <p:cTn id="22" fill="hold">
+                            <p:stCondLst>
+                              <p:cond delay="0"/>
+                            </p:stCondLst>
+                            <p:childTnLst>
+                              <p:par>
+                                <p:cTn id="23" presetID="12" presetClass="entr" presetSubtype="4" fill="hold" grpId="0" nodeType="clickEffect">
+                                  <p:stCondLst>
+                                    <p:cond delay="0"/>
+                                  </p:stCondLst>
+                                  <p:childTnLst>
+                                    <p:set>
+                                      <p:cBhvr>
+                                        <p:cTn id="24" dur="1" fill="hold">
+                                          <p:stCondLst>
+                                            <p:cond delay="0"/>
+                                          </p:stCondLst>
+                                        </p:cTn>
+                                        <p:tgtEl>
+                                          <p:spTgt spid="3">
+                                            <p:txEl>
+                                              <p:pRg st="2" end="2"/>
+                                            </p:txEl>
+                                          </p:spTgt>
+                                        </p:tgtEl>
+                                        <p:attrNameLst>
+                                          <p:attrName>style.visibility</p:attrName>
+                                        </p:attrNameLst>
+                                      </p:cBhvr>
+                                      <p:to>
+                                        <p:strVal val="visible"/>
+                                      </p:to>
+                                    </p:set>
+                                    <p:anim calcmode="lin" valueType="num">
+                                      <p:cBhvr additive="base">
+                                        <p:cTn id="25" dur="500"/>
+                                        <p:tgtEl>
+                                          <p:spTgt spid="3">
+                                            <p:txEl>
+                                              <p:pRg st="2" end="2"/>
+                                            </p:txEl>
+                                          </p:spTgt>
+                                        </p:tgtEl>
+                                        <p:attrNameLst>
+                                          <p:attrName>ppt_y</p:attrName>
+                                        </p:attrNameLst>
+                                      </p:cBhvr>
+                                      <p:tavLst>
+                                        <p:tav tm="0">
+                                          <p:val>
+                                            <p:strVal val="#ppt_y+#ppt_h*1.125000"/>
+                                          </p:val>
+                                        </p:tav>
+                                        <p:tav tm="100000">
+                                          <p:val>
+                                            <p:strVal val="#ppt_y"/>
+                                          </p:val>
+                                        </p:tav>
+                                      </p:tavLst>
+                                    </p:anim>
+                                    <p:animEffect transition="in" filter="wipe(up)">
+                                      <p:cBhvr>
+                                        <p:cTn id="26" dur="500"/>
+                                        <p:tgtEl>
+                                          <p:spTgt spid="3">
+                                            <p:txEl>
+                                              <p:pRg st="2" end="2"/>
+                                            </p:txEl>
+                                          </p:spTgt>
+                                        </p:tgtEl>
+                                      </p:cBhvr>
+                                    </p:animEffect>
+                                  </p:childTnLst>
+                                </p:cTn>
+                              </p:par>
+                              <p:par>
+                                <p:cTn id="27" presetID="64" presetClass="path" presetSubtype="0" decel="50000" fill="hold" grpId="1" nodeType="withEffect">
+                                  <p:stCondLst>
+                                    <p:cond delay="0"/>
+                                  </p:stCondLst>
+                                  <p:childTnLst>
+                                    <p:animMotion origin="layout" path="M -0.00052 0.06227 L -3.95833E-6 -2.96296E-6 " pathEditMode="relative" rAng="0" ptsTypes="AA">
+                                      <p:cBhvr>
+                                        <p:cTn id="28" dur="500" fill="hold"/>
+                                        <p:tgtEl>
+                                          <p:spTgt spid="3">
+                                            <p:txEl>
+                                              <p:pRg st="2" end="2"/>
+                                            </p:txEl>
+                                          </p:spTgt>
+                                        </p:tgtEl>
+                                        <p:attrNameLst>
+                                          <p:attrName>ppt_x</p:attrName>
+                                          <p:attrName>ppt_y</p:attrName>
+                                        </p:attrNameLst>
+                                      </p:cBhvr>
+                                      <p:rCtr x="26" y="-3125"/>
+                                    </p:animMotion>
+                                  </p:childTnLst>
+                                </p:cTn>
+                              </p:par>
+                            </p:childTnLst>
+                          </p:cTn>
+                        </p:par>
+                      </p:childTnLst>
+                    </p:cTn>
+                  </p:par>
+                  <p:par>
+                    <p:cTn id="29" fill="hold">
+                      <p:stCondLst>
+                        <p:cond delay="indefinite"/>
+                      </p:stCondLst>
+                      <p:childTnLst>
+                        <p:par>
+                          <p:cTn id="30" fill="hold">
+                            <p:stCondLst>
+                              <p:cond delay="0"/>
+                            </p:stCondLst>
+                            <p:childTnLst>
+                              <p:par>
+                                <p:cTn id="31" presetID="12" presetClass="entr" presetSubtype="4" fill="hold" grpId="0" nodeType="clickEffect">
+                                  <p:stCondLst>
+                                    <p:cond delay="0"/>
+                                  </p:stCondLst>
+                                  <p:childTnLst>
+                                    <p:set>
+                                      <p:cBhvr>
+                                        <p:cTn id="32" dur="1" fill="hold">
+                                          <p:stCondLst>
+                                            <p:cond delay="0"/>
+                                          </p:stCondLst>
+                                        </p:cTn>
+                                        <p:tgtEl>
+                                          <p:spTgt spid="3">
+                                            <p:txEl>
+                                              <p:pRg st="3" end="3"/>
+                                            </p:txEl>
+                                          </p:spTgt>
+                                        </p:tgtEl>
+                                        <p:attrNameLst>
+                                          <p:attrName>style.visibility</p:attrName>
+                                        </p:attrNameLst>
+                                      </p:cBhvr>
+                                      <p:to>
+                                        <p:strVal val="visible"/>
+                                      </p:to>
+                                    </p:set>
+                                    <p:anim calcmode="lin" valueType="num">
+                                      <p:cBhvr additive="base">
+                                        <p:cTn id="33" dur="500"/>
+                                        <p:tgtEl>
+                                          <p:spTgt spid="3">
+                                            <p:txEl>
+                                              <p:pRg st="3" end="3"/>
+                                            </p:txEl>
+                                          </p:spTgt>
+                                        </p:tgtEl>
+                                        <p:attrNameLst>
+                                          <p:attrName>ppt_y</p:attrName>
+                                        </p:attrNameLst>
+                                      </p:cBhvr>
+                                      <p:tavLst>
+                                        <p:tav tm="0">
+                                          <p:val>
+                                            <p:strVal val="#ppt_y+#ppt_h*1.125000"/>
+                                          </p:val>
+                                        </p:tav>
+                                        <p:tav tm="100000">
+                                          <p:val>
+                                            <p:strVal val="#ppt_y"/>
+                                          </p:val>
+                                        </p:tav>
+                                      </p:tavLst>
+                                    </p:anim>
+                                    <p:animEffect transition="in" filter="wipe(up)">
+                                      <p:cBhvr>
+                                        <p:cTn id="34" dur="500"/>
+                                        <p:tgtEl>
+                                          <p:spTgt spid="3">
+                                            <p:txEl>
+                                              <p:pRg st="3" end="3"/>
+                                            </p:txEl>
+                                          </p:spTgt>
+                                        </p:tgtEl>
+                                      </p:cBhvr>
+                                    </p:animEffect>
+                                  </p:childTnLst>
+                                </p:cTn>
+                              </p:par>
+                              <p:par>
+                                <p:cTn id="35" presetID="64" presetClass="path" presetSubtype="0" decel="50000" fill="hold" grpId="1" nodeType="withEffect">
+                                  <p:stCondLst>
+                                    <p:cond delay="0"/>
+                                  </p:stCondLst>
+                                  <p:childTnLst>
+                                    <p:animMotion origin="layout" path="M -0.00052 0.06227 L -3.95833E-6 -2.96296E-6 " pathEditMode="relative" rAng="0" ptsTypes="AA">
+                                      <p:cBhvr>
+                                        <p:cTn id="36" dur="500" fill="hold"/>
+                                        <p:tgtEl>
+                                          <p:spTgt spid="3">
+                                            <p:txEl>
+                                              <p:pRg st="3" end="3"/>
+                                            </p:txEl>
+                                          </p:spTgt>
+                                        </p:tgtEl>
+                                        <p:attrNameLst>
+                                          <p:attrName>ppt_x</p:attrName>
+                                          <p:attrName>ppt_y</p:attrName>
+                                        </p:attrNameLst>
+                                      </p:cBhvr>
+                                      <p:rCtr x="26" y="-3125"/>
+                                    </p:animMotion>
+                                  </p:childTnLst>
+                                </p:cTn>
+                              </p:par>
+                            </p:childTnLst>
+                          </p:cTn>
+                        </p:par>
+                      </p:childTnLst>
+                    </p:cTn>
+                  </p:par>
+                </p:childTnLst>
+              </p:cTn>
+              <p:prevCondLst>
+                <p:cond evt="onPrev" delay="0">
+                  <p:tgtEl>
+                    <p:sldTgt/>
+                  </p:tgtEl>
+                </p:cond>
+              </p:prevCondLst>
+              <p:nextCondLst>
+                <p:cond evt="onNext" delay="0">
+                  <p:tgtEl>
+                    <p:sldTgt/>
+                  </p:tgtEl>
+                </p:cond>
+              </p:nextCondLst>
+            </p:seq>
+          </p:childTnLst>
+        </p:cTn>
+      </p:par>
+    </p:tnLst>
+    <p:bldLst>
+      <p:bldP spid="2" grpId="0"/>
+      <p:bldP spid="3" grpId="0" uiExpand="1" build="p"/>
+      <p:bldP spid="3" grpId="1" uiExpand="1" build="p"/>
+    </p:bldLst>
+  </p:timing>
+</p:sld>
+</file>
+
+<file path=ppt/slides/slide7.xml><?xml version="1.0" encoding="utf-8"?>
+<p:sld xmlns:a="http://schemas.openxmlformats.org/drawingml/2006/main" xmlns:r="http://schemas.openxmlformats.org/officeDocument/2006/relationships" xmlns:p="http://schemas.openxmlformats.org/presentationml/2006/main" showMasterPhAnim="0">
+  <p:cSld>
+    <p:spTree>
+      <p:nvGrpSpPr>
+        <p:cNvPr id="1" name=""/>
+        <p:cNvGrpSpPr/>
+        <p:nvPr/>
+      </p:nvGrpSpPr>
+      <p:grpSpPr>
+        <a:xfrm>
+          <a:off x="0" y="0"/>
+          <a:ext cx="0" cy="0"/>
+          <a:chOff x="0" y="0"/>
+          <a:chExt cx="0" cy="0"/>
+        </a:xfrm>
+      </p:grpSpPr>
+      <p:sp>
+        <p:nvSpPr>
+          <p:cNvPr id="2" name="Titel 1">
+            <a:extLst>
+              <a:ext uri="{FF2B5EF4-FFF2-40B4-BE49-F238E27FC236}">
                 <a16:creationId xmlns:a16="http://schemas.microsoft.com/office/drawing/2014/main" id="{0D7B3257-74E7-A467-9D06-FC6536014D32}"/>
               </a:ext>
             </a:extLst>
@@ -3690,21 +6411,14 @@
           <a:lstStyle/>
           <a:p>
             <a:r>
+              <a:rPr lang="nl-NL" dirty="0"/>
+              <a:t>To </a:t>
+            </a:r>
+            <a:r>
               <a:rPr lang="nl-NL" dirty="0" err="1"/>
-              <a:t>Untyped</a:t>
-            </a:r>
-            <a:r>
-              <a:rPr lang="nl-NL" dirty="0"/>
-              <a:t> </a:t>
-            </a:r>
-            <a:r>
-              <a:rPr lang="el-GR" dirty="0"/>
-              <a:t>Λ</a:t>
-            </a:r>
-            <a:r>
-              <a:rPr lang="nl-NL" dirty="0"/>
-              <a:t>-calculus</a:t>
-            </a:r>
+              <a:t>Haskell</a:t>
+            </a:r>
+            <a:endParaRPr lang="nl-NL" dirty="0"/>
           </a:p>
         </p:txBody>
       </p:sp>
@@ -4593,7 +7307,7 @@
 </p:sld>
 </file>
 
-<file path=ppt/slides/slide6.xml><?xml version="1.0" encoding="utf-8"?>
+<file path=ppt/slides/slide8.xml><?xml version="1.0" encoding="utf-8"?>
 <p:sld xmlns:a="http://schemas.openxmlformats.org/drawingml/2006/main" xmlns:r="http://schemas.openxmlformats.org/officeDocument/2006/relationships" xmlns:p="http://schemas.openxmlformats.org/presentationml/2006/main">
   <p:cSld>
     <p:spTree>
@@ -4853,467 +7567,6 @@
     <p:extLst>
       <p:ext uri="{BB962C8B-B14F-4D97-AF65-F5344CB8AC3E}">
         <p14:creationId xmlns:p14="http://schemas.microsoft.com/office/powerpoint/2010/main" val="4058491602"/>
-      </p:ext>
-    </p:extLst>
-  </p:cSld>
-  <p:clrMapOvr>
-    <a:masterClrMapping/>
-  </p:clrMapOvr>
-  <mc:AlternateContent xmlns:mc="http://schemas.openxmlformats.org/markup-compatibility/2006" xmlns:p14="http://schemas.microsoft.com/office/powerpoint/2010/main">
-    <mc:Choice Requires="p14">
-      <p:transition spd="slow" p14:dur="800">
-        <p14:flythrough dir="out"/>
-      </p:transition>
-    </mc:Choice>
-    <mc:Fallback xmlns="">
-      <p:transition spd="slow">
-        <p:fade/>
-      </p:transition>
-    </mc:Fallback>
-  </mc:AlternateContent>
-</p:sld>
-</file>
-
-<file path=ppt/slides/slide7.xml><?xml version="1.0" encoding="utf-8"?>
-<p:sld xmlns:a="http://schemas.openxmlformats.org/drawingml/2006/main" xmlns:r="http://schemas.openxmlformats.org/officeDocument/2006/relationships" xmlns:p="http://schemas.openxmlformats.org/presentationml/2006/main">
-  <p:cSld>
-    <p:spTree>
-      <p:nvGrpSpPr>
-        <p:cNvPr id="1" name=""/>
-        <p:cNvGrpSpPr/>
-        <p:nvPr/>
-      </p:nvGrpSpPr>
-      <p:grpSpPr>
-        <a:xfrm>
-          <a:off x="0" y="0"/>
-          <a:ext cx="0" cy="0"/>
-          <a:chOff x="0" y="0"/>
-          <a:chExt cx="0" cy="0"/>
-        </a:xfrm>
-      </p:grpSpPr>
-      <p:sp>
-        <p:nvSpPr>
-          <p:cNvPr id="2" name="Titel 1">
-            <a:extLst>
-              <a:ext uri="{FF2B5EF4-FFF2-40B4-BE49-F238E27FC236}">
-                <a16:creationId xmlns:a16="http://schemas.microsoft.com/office/drawing/2014/main" id="{0EFF63A1-6D68-53E9-FAFE-17E56E1778E4}"/>
-              </a:ext>
-            </a:extLst>
-          </p:cNvPr>
-          <p:cNvSpPr>
-            <a:spLocks noGrp="1"/>
-          </p:cNvSpPr>
-          <p:nvPr>
-            <p:ph type="title"/>
-          </p:nvPr>
-        </p:nvSpPr>
-        <p:spPr/>
-        <p:txBody>
-          <a:bodyPr/>
-          <a:lstStyle/>
-          <a:p>
-            <a:r>
-              <a:rPr lang="nl-NL" dirty="0" err="1"/>
-              <a:t>Variadic</a:t>
-            </a:r>
-            <a:r>
-              <a:rPr lang="nl-NL" dirty="0"/>
-              <a:t> </a:t>
-            </a:r>
-            <a:r>
-              <a:rPr lang="nl-NL" dirty="0" err="1"/>
-              <a:t>Functions</a:t>
-            </a:r>
-            <a:endParaRPr lang="nl-NL" dirty="0"/>
-          </a:p>
-        </p:txBody>
-      </p:sp>
-      <p:sp>
-        <p:nvSpPr>
-          <p:cNvPr id="3" name="Tijdelijke aanduiding voor tekst 2">
-            <a:extLst>
-              <a:ext uri="{FF2B5EF4-FFF2-40B4-BE49-F238E27FC236}">
-                <a16:creationId xmlns:a16="http://schemas.microsoft.com/office/drawing/2014/main" id="{C767C25E-33AA-2705-FB1C-425B8FF452DA}"/>
-              </a:ext>
-            </a:extLst>
-          </p:cNvPr>
-          <p:cNvSpPr>
-            <a:spLocks noGrp="1"/>
-          </p:cNvSpPr>
-          <p:nvPr>
-            <p:ph type="body" sz="quarter" idx="11"/>
-          </p:nvPr>
-        </p:nvSpPr>
-        <p:spPr/>
-        <p:txBody>
-          <a:bodyPr/>
-          <a:lstStyle/>
-          <a:p>
-            <a:r>
-              <a:rPr lang="nl-NL" dirty="0"/>
-              <a:t>… in </a:t>
-            </a:r>
-            <a:r>
-              <a:rPr lang="nl-NL" dirty="0" err="1"/>
-              <a:t>Haskell</a:t>
-            </a:r>
-            <a:r>
-              <a:rPr lang="nl-NL" dirty="0"/>
-              <a:t>?</a:t>
-            </a:r>
-          </a:p>
-          <a:p>
-            <a:r>
-              <a:rPr lang="nl-NL" dirty="0" err="1"/>
-              <a:t>Abuse</a:t>
-            </a:r>
-            <a:r>
-              <a:rPr lang="nl-NL" dirty="0"/>
-              <a:t> of type classes</a:t>
-            </a:r>
-          </a:p>
-          <a:p>
-            <a:r>
-              <a:rPr lang="nl-NL" dirty="0"/>
-              <a:t>Construct a “</a:t>
-            </a:r>
-            <a:r>
-              <a:rPr lang="nl-NL" dirty="0" err="1"/>
-              <a:t>recursive</a:t>
-            </a:r>
-            <a:r>
-              <a:rPr lang="nl-NL" dirty="0"/>
-              <a:t>” typeclass</a:t>
-            </a:r>
-          </a:p>
-        </p:txBody>
-      </p:sp>
-    </p:spTree>
-    <p:extLst>
-      <p:ext uri="{BB962C8B-B14F-4D97-AF65-F5344CB8AC3E}">
-        <p14:creationId xmlns:p14="http://schemas.microsoft.com/office/powerpoint/2010/main" val="3995880585"/>
-      </p:ext>
-    </p:extLst>
-  </p:cSld>
-  <p:clrMapOvr>
-    <a:masterClrMapping/>
-  </p:clrMapOvr>
-  <mc:AlternateContent xmlns:mc="http://schemas.openxmlformats.org/markup-compatibility/2006" xmlns:p14="http://schemas.microsoft.com/office/powerpoint/2010/main">
-    <mc:Choice Requires="p14">
-      <p:transition spd="slow" p14:dur="800">
-        <p14:flythrough dir="out"/>
-      </p:transition>
-    </mc:Choice>
-    <mc:Fallback xmlns="">
-      <p:transition spd="slow">
-        <p:fade/>
-      </p:transition>
-    </mc:Fallback>
-  </mc:AlternateContent>
-</p:sld>
-</file>
-
-<file path=ppt/slides/slide8.xml><?xml version="1.0" encoding="utf-8"?>
-<p:sld xmlns:a="http://schemas.openxmlformats.org/drawingml/2006/main" xmlns:r="http://schemas.openxmlformats.org/officeDocument/2006/relationships" xmlns:p="http://schemas.openxmlformats.org/presentationml/2006/main">
-  <p:cSld>
-    <p:spTree>
-      <p:nvGrpSpPr>
-        <p:cNvPr id="1" name=""/>
-        <p:cNvGrpSpPr/>
-        <p:nvPr/>
-      </p:nvGrpSpPr>
-      <p:grpSpPr>
-        <a:xfrm>
-          <a:off x="0" y="0"/>
-          <a:ext cx="0" cy="0"/>
-          <a:chOff x="0" y="0"/>
-          <a:chExt cx="0" cy="0"/>
-        </a:xfrm>
-      </p:grpSpPr>
-      <p:sp>
-        <p:nvSpPr>
-          <p:cNvPr id="2" name="Titel 1">
-            <a:extLst>
-              <a:ext uri="{FF2B5EF4-FFF2-40B4-BE49-F238E27FC236}">
-                <a16:creationId xmlns:a16="http://schemas.microsoft.com/office/drawing/2014/main" id="{66E35D69-B1B2-F241-CAFD-489CEF152037}"/>
-              </a:ext>
-            </a:extLst>
-          </p:cNvPr>
-          <p:cNvSpPr>
-            <a:spLocks noGrp="1"/>
-          </p:cNvSpPr>
-          <p:nvPr>
-            <p:ph type="title"/>
-          </p:nvPr>
-        </p:nvSpPr>
-        <p:spPr/>
-        <p:txBody>
-          <a:bodyPr/>
-          <a:lstStyle/>
-          <a:p>
-            <a:r>
-              <a:rPr lang="nl-NL" dirty="0" err="1"/>
-              <a:t>Polymorphic</a:t>
-            </a:r>
-            <a:r>
-              <a:rPr lang="nl-NL" dirty="0"/>
-              <a:t> </a:t>
-            </a:r>
-            <a:r>
-              <a:rPr lang="el-GR" dirty="0"/>
-              <a:t>Λ</a:t>
-            </a:r>
-            <a:r>
-              <a:rPr lang="nl-NL" dirty="0"/>
-              <a:t>-calculus (“System F”)</a:t>
-            </a:r>
-          </a:p>
-        </p:txBody>
-      </p:sp>
-      <mc:AlternateContent xmlns:mc="http://schemas.openxmlformats.org/markup-compatibility/2006">
-        <mc:Choice xmlns:a14="http://schemas.microsoft.com/office/drawing/2010/main" Requires="a14">
-          <p:sp>
-            <p:nvSpPr>
-              <p:cNvPr id="3" name="Tijdelijke aanduiding voor tekst 2">
-                <a:extLst>
-                  <a:ext uri="{FF2B5EF4-FFF2-40B4-BE49-F238E27FC236}">
-                    <a16:creationId xmlns:a16="http://schemas.microsoft.com/office/drawing/2014/main" id="{135AF79F-D6CA-8325-ADB0-21FD94AA3328}"/>
-                  </a:ext>
-                </a:extLst>
-              </p:cNvPr>
-              <p:cNvSpPr>
-                <a:spLocks noGrp="1"/>
-              </p:cNvSpPr>
-              <p:nvPr>
-                <p:ph type="body" sz="quarter" idx="11"/>
-              </p:nvPr>
-            </p:nvSpPr>
-            <p:spPr/>
-            <p:txBody>
-              <a:bodyPr/>
-              <a:lstStyle/>
-              <a:p>
-                <a:r>
-                  <a:rPr lang="nl-NL" dirty="0"/>
-                  <a:t>Introduce type variables: </a:t>
-                </a:r>
-                <a14:m>
-                  <m:oMath xmlns:m="http://schemas.openxmlformats.org/officeDocument/2006/math">
-                    <m:r>
-                      <m:rPr>
-                        <m:sty m:val="p"/>
-                      </m:rPr>
-                      <a:rPr lang="nl-NL" b="0" i="0" smtClean="0">
-                        <a:latin typeface="Cambria Math" panose="02040503050406030204" pitchFamily="18" charset="0"/>
-                      </a:rPr>
-                      <m:t>Λ</m:t>
-                    </m:r>
-                    <m:r>
-                      <a:rPr lang="nl-NL" b="0" i="1" smtClean="0">
-                        <a:latin typeface="Cambria Math" panose="02040503050406030204" pitchFamily="18" charset="0"/>
-                      </a:rPr>
-                      <m:t>𝑝</m:t>
-                    </m:r>
-                    <m:r>
-                      <a:rPr lang="nl-NL" b="0" i="1" smtClean="0">
-                        <a:latin typeface="Cambria Math" panose="02040503050406030204" pitchFamily="18" charset="0"/>
-                      </a:rPr>
-                      <m:t>.</m:t>
-                    </m:r>
-                    <m:r>
-                      <a:rPr lang="nl-NL" b="0" i="1" smtClean="0">
-                        <a:latin typeface="Cambria Math" panose="02040503050406030204" pitchFamily="18" charset="0"/>
-                      </a:rPr>
-                      <m:t>𝜆</m:t>
-                    </m:r>
-                    <m:sSup>
-                      <m:sSupPr>
-                        <m:ctrlPr>
-                          <a:rPr lang="nl-NL" b="0" i="1" smtClean="0">
-                            <a:latin typeface="Cambria Math" panose="02040503050406030204" pitchFamily="18" charset="0"/>
-                          </a:rPr>
-                        </m:ctrlPr>
-                      </m:sSupPr>
-                      <m:e>
-                        <m:r>
-                          <a:rPr lang="nl-NL" b="0" i="1" smtClean="0">
-                            <a:latin typeface="Cambria Math" panose="02040503050406030204" pitchFamily="18" charset="0"/>
-                          </a:rPr>
-                          <m:t>𝑥</m:t>
-                        </m:r>
-                      </m:e>
-                      <m:sup>
-                        <m:r>
-                          <a:rPr lang="nl-NL" b="0" i="1" smtClean="0">
-                            <a:latin typeface="Cambria Math" panose="02040503050406030204" pitchFamily="18" charset="0"/>
-                          </a:rPr>
-                          <m:t>𝑝</m:t>
-                        </m:r>
-                      </m:sup>
-                    </m:sSup>
-                    <m:r>
-                      <a:rPr lang="nl-NL" b="0" i="1" smtClean="0">
-                        <a:latin typeface="Cambria Math" panose="02040503050406030204" pitchFamily="18" charset="0"/>
-                      </a:rPr>
-                      <m:t>.</m:t>
-                    </m:r>
-                    <m:r>
-                      <a:rPr lang="nl-NL" b="0" i="1" smtClean="0">
-                        <a:latin typeface="Cambria Math" panose="02040503050406030204" pitchFamily="18" charset="0"/>
-                      </a:rPr>
-                      <m:t>𝑥</m:t>
-                    </m:r>
-                    <m:r>
-                      <a:rPr lang="nl-NL" b="0" i="1" smtClean="0">
-                        <a:latin typeface="Cambria Math" panose="02040503050406030204" pitchFamily="18" charset="0"/>
-                      </a:rPr>
-                      <m:t> :∀</m:t>
-                    </m:r>
-                    <m:r>
-                      <a:rPr lang="nl-NL" b="0" i="1" smtClean="0">
-                        <a:latin typeface="Cambria Math" panose="02040503050406030204" pitchFamily="18" charset="0"/>
-                      </a:rPr>
-                      <m:t>𝑝</m:t>
-                    </m:r>
-                    <m:r>
-                      <a:rPr lang="nl-NL" b="0" i="1" smtClean="0">
-                        <a:latin typeface="Cambria Math" panose="02040503050406030204" pitchFamily="18" charset="0"/>
-                      </a:rPr>
-                      <m:t>.</m:t>
-                    </m:r>
-                    <m:r>
-                      <a:rPr lang="nl-NL" b="0" i="1" smtClean="0">
-                        <a:latin typeface="Cambria Math" panose="02040503050406030204" pitchFamily="18" charset="0"/>
-                      </a:rPr>
-                      <m:t>𝑝</m:t>
-                    </m:r>
-                    <m:r>
-                      <a:rPr lang="nl-NL" b="0" i="1" smtClean="0">
-                        <a:latin typeface="Cambria Math" panose="02040503050406030204" pitchFamily="18" charset="0"/>
-                      </a:rPr>
-                      <m:t>→</m:t>
-                    </m:r>
-                    <m:r>
-                      <a:rPr lang="nl-NL" b="0" i="1" smtClean="0">
-                        <a:latin typeface="Cambria Math" panose="02040503050406030204" pitchFamily="18" charset="0"/>
-                      </a:rPr>
-                      <m:t>𝑝</m:t>
-                    </m:r>
-                  </m:oMath>
-                </a14:m>
-                <a:endParaRPr lang="nl-NL" dirty="0"/>
-              </a:p>
-              <a:p>
-                <a:r>
-                  <a:rPr lang="nl-NL" dirty="0" err="1"/>
-                  <a:t>Allows</a:t>
-                </a:r>
-                <a:r>
-                  <a:rPr lang="nl-NL" dirty="0"/>
-                  <a:t> </a:t>
-                </a:r>
-                <a:r>
-                  <a:rPr lang="nl-NL" dirty="0" err="1"/>
-                  <a:t>us</a:t>
-                </a:r>
-                <a:r>
-                  <a:rPr lang="nl-NL" dirty="0"/>
-                  <a:t> to combine </a:t>
-                </a:r>
-                <a:r>
-                  <a:rPr lang="nl-NL" dirty="0" err="1"/>
-                  <a:t>structures</a:t>
-                </a:r>
-                <a:r>
-                  <a:rPr lang="nl-NL" dirty="0"/>
-                  <a:t> (trees, </a:t>
-                </a:r>
-                <a:r>
-                  <a:rPr lang="nl-NL" dirty="0" err="1"/>
-                  <a:t>booleans</a:t>
-                </a:r>
-                <a:r>
-                  <a:rPr lang="nl-NL" dirty="0"/>
-                  <a:t>, </a:t>
-                </a:r>
-                <a:r>
-                  <a:rPr lang="nl-NL" dirty="0" err="1"/>
-                  <a:t>numbers</a:t>
-                </a:r>
-                <a:r>
-                  <a:rPr lang="nl-NL" dirty="0"/>
-                  <a:t>, </a:t>
-                </a:r>
-                <a:r>
-                  <a:rPr lang="nl-NL" dirty="0" err="1"/>
-                  <a:t>lists</a:t>
-                </a:r>
-                <a:r>
-                  <a:rPr lang="nl-NL" dirty="0"/>
-                  <a:t>)</a:t>
-                </a:r>
-              </a:p>
-              <a:p>
-                <a:r>
-                  <a:rPr lang="nl-NL" dirty="0"/>
-                  <a:t>“</a:t>
-                </a:r>
-                <a:r>
-                  <a:rPr lang="nl-NL" dirty="0" err="1"/>
-                  <a:t>Mixing</a:t>
-                </a:r>
-                <a:r>
-                  <a:rPr lang="nl-NL" dirty="0"/>
-                  <a:t>” types and variables is tricky</a:t>
-                </a:r>
-              </a:p>
-            </p:txBody>
-          </p:sp>
-        </mc:Choice>
-        <mc:Fallback>
-          <p:sp>
-            <p:nvSpPr>
-              <p:cNvPr id="3" name="Tijdelijke aanduiding voor tekst 2">
-                <a:extLst>
-                  <a:ext uri="{FF2B5EF4-FFF2-40B4-BE49-F238E27FC236}">
-                    <a16:creationId xmlns:a16="http://schemas.microsoft.com/office/drawing/2014/main" id="{135AF79F-D6CA-8325-ADB0-21FD94AA3328}"/>
-                  </a:ext>
-                </a:extLst>
-              </p:cNvPr>
-              <p:cNvSpPr>
-                <a:spLocks noGrp="1" noRot="1" noChangeAspect="1" noMove="1" noResize="1" noEditPoints="1" noAdjustHandles="1" noChangeArrowheads="1" noChangeShapeType="1" noTextEdit="1"/>
-              </p:cNvSpPr>
-              <p:nvPr>
-                <p:ph type="body" sz="quarter" idx="11"/>
-              </p:nvPr>
-            </p:nvSpPr>
-            <p:spPr>
-              <a:blipFill>
-                <a:blip r:embed="rId2"/>
-                <a:stretch>
-                  <a:fillRect t="-1954"/>
-                </a:stretch>
-              </a:blipFill>
-            </p:spPr>
-            <p:txBody>
-              <a:bodyPr/>
-              <a:lstStyle/>
-              <a:p>
-                <a:r>
-                  <a:rPr lang="nl-NL">
-                    <a:noFill/>
-                  </a:rPr>
-                  <a:t> </a:t>
-                </a:r>
-              </a:p>
-            </p:txBody>
-          </p:sp>
-        </mc:Fallback>
-      </mc:AlternateContent>
-    </p:spTree>
-    <p:extLst>
-      <p:ext uri="{BB962C8B-B14F-4D97-AF65-F5344CB8AC3E}">
-        <p14:creationId xmlns:p14="http://schemas.microsoft.com/office/powerpoint/2010/main" val="580059958"/>
       </p:ext>
     </p:extLst>
   </p:cSld>
@@ -5352,10 +7605,107 @@
           <a:chExt cx="0" cy="0"/>
         </a:xfrm>
       </p:grpSpPr>
+      <p:sp>
+        <p:nvSpPr>
+          <p:cNvPr id="2" name="Titel 1">
+            <a:extLst>
+              <a:ext uri="{FF2B5EF4-FFF2-40B4-BE49-F238E27FC236}">
+                <a16:creationId xmlns:a16="http://schemas.microsoft.com/office/drawing/2014/main" id="{0EFF63A1-6D68-53E9-FAFE-17E56E1778E4}"/>
+              </a:ext>
+            </a:extLst>
+          </p:cNvPr>
+          <p:cNvSpPr>
+            <a:spLocks noGrp="1"/>
+          </p:cNvSpPr>
+          <p:nvPr>
+            <p:ph type="title"/>
+          </p:nvPr>
+        </p:nvSpPr>
+        <p:spPr/>
+        <p:txBody>
+          <a:bodyPr/>
+          <a:lstStyle/>
+          <a:p>
+            <a:r>
+              <a:rPr lang="nl-NL" dirty="0" err="1"/>
+              <a:t>Variadic</a:t>
+            </a:r>
+            <a:r>
+              <a:rPr lang="nl-NL" dirty="0"/>
+              <a:t> </a:t>
+            </a:r>
+            <a:r>
+              <a:rPr lang="nl-NL" dirty="0" err="1"/>
+              <a:t>Functions</a:t>
+            </a:r>
+            <a:endParaRPr lang="nl-NL" dirty="0"/>
+          </a:p>
+        </p:txBody>
+      </p:sp>
+      <p:sp>
+        <p:nvSpPr>
+          <p:cNvPr id="3" name="Tijdelijke aanduiding voor tekst 2">
+            <a:extLst>
+              <a:ext uri="{FF2B5EF4-FFF2-40B4-BE49-F238E27FC236}">
+                <a16:creationId xmlns:a16="http://schemas.microsoft.com/office/drawing/2014/main" id="{C767C25E-33AA-2705-FB1C-425B8FF452DA}"/>
+              </a:ext>
+            </a:extLst>
+          </p:cNvPr>
+          <p:cNvSpPr>
+            <a:spLocks noGrp="1"/>
+          </p:cNvSpPr>
+          <p:nvPr>
+            <p:ph type="body" sz="quarter" idx="11"/>
+          </p:nvPr>
+        </p:nvSpPr>
+        <p:spPr/>
+        <p:txBody>
+          <a:bodyPr/>
+          <a:lstStyle/>
+          <a:p>
+            <a:r>
+              <a:rPr lang="nl-NL" dirty="0"/>
+              <a:t>… in </a:t>
+            </a:r>
+            <a:r>
+              <a:rPr lang="nl-NL" dirty="0" err="1"/>
+              <a:t>Haskell</a:t>
+            </a:r>
+            <a:r>
+              <a:rPr lang="nl-NL" dirty="0"/>
+              <a:t>?</a:t>
+            </a:r>
+          </a:p>
+          <a:p>
+            <a:r>
+              <a:rPr lang="nl-NL" dirty="0" err="1"/>
+              <a:t>Abuse</a:t>
+            </a:r>
+            <a:r>
+              <a:rPr lang="nl-NL" dirty="0"/>
+              <a:t> of type classes</a:t>
+            </a:r>
+          </a:p>
+          <a:p>
+            <a:r>
+              <a:rPr lang="nl-NL" dirty="0"/>
+              <a:t>Construct a “</a:t>
+            </a:r>
+            <a:r>
+              <a:rPr lang="nl-NL" dirty="0" err="1"/>
+              <a:t>recursive</a:t>
+            </a:r>
+            <a:r>
+              <a:rPr lang="nl-NL" dirty="0"/>
+              <a:t>” typeclass</a:t>
+            </a:r>
+          </a:p>
+        </p:txBody>
+      </p:sp>
     </p:spTree>
     <p:extLst>
       <p:ext uri="{BB962C8B-B14F-4D97-AF65-F5344CB8AC3E}">
-        <p14:creationId xmlns:p14="http://schemas.microsoft.com/office/powerpoint/2010/main" val="3147394000"/>
+        <p14:creationId xmlns:p14="http://schemas.microsoft.com/office/powerpoint/2010/main" val="3995880585"/>
       </p:ext>
     </p:extLst>
   </p:cSld>
